--- a/img/timeline.pptx
+++ b/img/timeline.pptx
@@ -5,30 +5,31 @@
     <p:sldMasterId id="2147483648" r:id="rId1"/>
   </p:sldMasterIdLst>
   <p:notesMasterIdLst>
-    <p:notesMasterId r:id="rId13"/>
+    <p:notesMasterId r:id="rId14"/>
   </p:notesMasterIdLst>
   <p:sldIdLst>
     <p:sldId id="263" r:id="rId2"/>
     <p:sldId id="272" r:id="rId3"/>
     <p:sldId id="273" r:id="rId4"/>
-    <p:sldId id="275" r:id="rId5"/>
-    <p:sldId id="274" r:id="rId6"/>
-    <p:sldId id="271" r:id="rId7"/>
-    <p:sldId id="268" r:id="rId8"/>
-    <p:sldId id="269" r:id="rId9"/>
-    <p:sldId id="270" r:id="rId10"/>
-    <p:sldId id="267" r:id="rId11"/>
-    <p:sldId id="266" r:id="rId12"/>
+    <p:sldId id="276" r:id="rId5"/>
+    <p:sldId id="275" r:id="rId6"/>
+    <p:sldId id="274" r:id="rId7"/>
+    <p:sldId id="271" r:id="rId8"/>
+    <p:sldId id="268" r:id="rId9"/>
+    <p:sldId id="269" r:id="rId10"/>
+    <p:sldId id="270" r:id="rId11"/>
+    <p:sldId id="267" r:id="rId12"/>
+    <p:sldId id="266" r:id="rId13"/>
   </p:sldIdLst>
   <p:sldSz cx="12192000" cy="6858000"/>
   <p:notesSz cx="6858000" cy="9144000"/>
   <p:embeddedFontLst>
     <p:embeddedFont>
       <p:font typeface="Roboto Condensed" panose="02000000000000000000" pitchFamily="2" charset="0"/>
-      <p:regular r:id="rId14"/>
-      <p:bold r:id="rId15"/>
-      <p:italic r:id="rId16"/>
-      <p:boldItalic r:id="rId17"/>
+      <p:regular r:id="rId15"/>
+      <p:bold r:id="rId16"/>
+      <p:italic r:id="rId17"/>
+      <p:boldItalic r:id="rId18"/>
     </p:embeddedFont>
   </p:embeddedFontLst>
   <p:defaultTextStyle>
@@ -265,7 +266,7 @@
       <p15:sldGuideLst xmlns:p15="http://schemas.microsoft.com/office/powerpoint/2012/main"/>
     </p:ext>
     <p:ext uri="http://customooxmlschemas.google.com/">
-      <go:slidesCustomData xmlns="" xmlns:mc="http://schemas.openxmlformats.org/markup-compatibility/2006" xmlns:mv="urn:schemas-microsoft-com:mac:vml" xmlns:c="http://schemas.openxmlformats.org/drawingml/2006/chart" xmlns:dgm="http://schemas.openxmlformats.org/drawingml/2006/diagram" xmlns:o="urn:schemas-microsoft-com:office:office" xmlns:v="urn:schemas-microsoft-com:vml" xmlns:pvml="urn:schemas-microsoft-com:office:powerpoint" xmlns:com="http://schemas.openxmlformats.org/drawingml/2006/compatibility" xmlns:p14="http://schemas.microsoft.com/office/powerpoint/2010/main" xmlns:p15="http://schemas.microsoft.com/office/powerpoint/2012/main" xmlns:ahyp="http://schemas.microsoft.com/office/drawing/2018/hyperlinkcolor" xmlns:go="http://customooxmlschemas.google.com/" r:id="rId27" roundtripDataSignature="AMtx7mgXCS851pMlIGszE/Y1tIc7IY3bFA=="/>
+      <go:slidesCustomData xmlns:go="http://customooxmlschemas.google.com/" xmlns:ahyp="http://schemas.microsoft.com/office/drawing/2018/hyperlinkcolor" xmlns:p15="http://schemas.microsoft.com/office/powerpoint/2012/main" xmlns:p14="http://schemas.microsoft.com/office/powerpoint/2010/main" xmlns:com="http://schemas.openxmlformats.org/drawingml/2006/compatibility" xmlns:pvml="urn:schemas-microsoft-com:office:powerpoint" xmlns:v="urn:schemas-microsoft-com:vml" xmlns:o="urn:schemas-microsoft-com:office:office" xmlns:dgm="http://schemas.openxmlformats.org/drawingml/2006/diagram" xmlns:c="http://schemas.openxmlformats.org/drawingml/2006/chart" xmlns:mv="urn:schemas-microsoft-com:mac:vml" xmlns:mc="http://schemas.openxmlformats.org/markup-compatibility/2006" xmlns="" r:id="rId27" roundtripDataSignature="AMtx7mgXCS851pMlIGszE/Y1tIc7IY3bFA=="/>
     </p:ext>
   </p:extLst>
 </p:presentation>
@@ -915,6 +916,115 @@
     </p:spTree>
     <p:extLst>
       <p:ext uri="{BB962C8B-B14F-4D97-AF65-F5344CB8AC3E}">
+        <p14:creationId xmlns:p14="http://schemas.microsoft.com/office/powerpoint/2010/main" val="1616241126"/>
+      </p:ext>
+    </p:extLst>
+  </p:cSld>
+  <p:clrMapOvr>
+    <a:masterClrMapping/>
+  </p:clrMapOvr>
+</p:notes>
+</file>
+
+<file path=ppt/notesSlides/notesSlide11.xml><?xml version="1.0" encoding="utf-8"?>
+<p:notes xmlns:a="http://schemas.openxmlformats.org/drawingml/2006/main" xmlns:r="http://schemas.openxmlformats.org/officeDocument/2006/relationships" xmlns:p="http://schemas.openxmlformats.org/presentationml/2006/main" showMasterSp="0" showMasterPhAnim="0">
+  <p:cSld>
+    <p:spTree>
+      <p:nvGrpSpPr>
+        <p:cNvPr id="1" name="Shape 281"/>
+        <p:cNvGrpSpPr/>
+        <p:nvPr/>
+      </p:nvGrpSpPr>
+      <p:grpSpPr>
+        <a:xfrm>
+          <a:off x="0" y="0"/>
+          <a:ext cx="0" cy="0"/>
+          <a:chOff x="0" y="0"/>
+          <a:chExt cx="0" cy="0"/>
+        </a:xfrm>
+      </p:grpSpPr>
+      <p:sp>
+        <p:nvSpPr>
+          <p:cNvPr id="282" name="Google Shape;282;g14b75cd550d_0_5:notes"/>
+          <p:cNvSpPr txBox="1">
+            <a:spLocks noGrp="1"/>
+          </p:cNvSpPr>
+          <p:nvPr>
+            <p:ph type="body" idx="1"/>
+          </p:nvPr>
+        </p:nvSpPr>
+        <p:spPr>
+          <a:xfrm>
+            <a:off x="685800" y="4343400"/>
+            <a:ext cx="5486400" cy="4114800"/>
+          </a:xfrm>
+          <a:prstGeom prst="rect">
+            <a:avLst/>
+          </a:prstGeom>
+        </p:spPr>
+        <p:txBody>
+          <a:bodyPr spcFirstLastPara="1" wrap="square" lIns="91425" tIns="91425" rIns="91425" bIns="91425" anchor="t" anchorCtr="0">
+            <a:noAutofit/>
+          </a:bodyPr>
+          <a:lstStyle/>
+          <a:p>
+            <a:pPr marL="0" lvl="0" indent="0" algn="l" rtl="0">
+              <a:spcBef>
+                <a:spcPts val="0"/>
+              </a:spcBef>
+              <a:spcAft>
+                <a:spcPts val="0"/>
+              </a:spcAft>
+              <a:buNone/>
+            </a:pPr>
+            <a:endParaRPr/>
+          </a:p>
+        </p:txBody>
+      </p:sp>
+      <p:sp>
+        <p:nvSpPr>
+          <p:cNvPr id="283" name="Google Shape;283;g14b75cd550d_0_5:notes"/>
+          <p:cNvSpPr>
+            <a:spLocks noGrp="1" noRot="1" noChangeAspect="1"/>
+          </p:cNvSpPr>
+          <p:nvPr>
+            <p:ph type="sldImg" idx="2"/>
+          </p:nvPr>
+        </p:nvSpPr>
+        <p:spPr>
+          <a:xfrm>
+            <a:off x="381000" y="685800"/>
+            <a:ext cx="6096000" cy="3429000"/>
+          </a:xfrm>
+          <a:custGeom>
+            <a:avLst/>
+            <a:gdLst/>
+            <a:ahLst/>
+            <a:cxnLst/>
+            <a:rect l="l" t="t" r="r" b="b"/>
+            <a:pathLst>
+              <a:path w="120000" h="120000" extrusionOk="0">
+                <a:moveTo>
+                  <a:pt x="0" y="0"/>
+                </a:moveTo>
+                <a:lnTo>
+                  <a:pt x="120000" y="0"/>
+                </a:lnTo>
+                <a:lnTo>
+                  <a:pt x="120000" y="120000"/>
+                </a:lnTo>
+                <a:lnTo>
+                  <a:pt x="0" y="120000"/>
+                </a:lnTo>
+                <a:close/>
+              </a:path>
+            </a:pathLst>
+          </a:custGeom>
+        </p:spPr>
+      </p:sp>
+    </p:spTree>
+    <p:extLst>
+      <p:ext uri="{BB962C8B-B14F-4D97-AF65-F5344CB8AC3E}">
         <p14:creationId xmlns:p14="http://schemas.microsoft.com/office/powerpoint/2010/main" val="3478963084"/>
       </p:ext>
     </p:extLst>
@@ -925,7 +1035,7 @@
 </p:notes>
 </file>
 
-<file path=ppt/notesSlides/notesSlide11.xml><?xml version="1.0" encoding="utf-8"?>
+<file path=ppt/notesSlides/notesSlide12.xml><?xml version="1.0" encoding="utf-8"?>
 <p:notes xmlns:a="http://schemas.openxmlformats.org/drawingml/2006/main" xmlns:r="http://schemas.openxmlformats.org/officeDocument/2006/relationships" xmlns:p="http://schemas.openxmlformats.org/presentationml/2006/main" showMasterSp="0" showMasterPhAnim="0">
   <p:cSld>
     <p:spTree>
@@ -1296,7 +1406,7 @@
         <p:cNvPr id="1" name="Shape 281">
           <a:extLst>
             <a:ext uri="{FF2B5EF4-FFF2-40B4-BE49-F238E27FC236}">
-              <a16:creationId xmlns:a16="http://schemas.microsoft.com/office/drawing/2014/main" id="{39E666E8-7ABD-2C21-6CBB-615D269319C8}"/>
+              <a16:creationId xmlns:a16="http://schemas.microsoft.com/office/drawing/2014/main" id="{FCB481D0-02A3-C7B8-A664-3073C8A0AB74}"/>
             </a:ext>
           </a:extLst>
         </p:cNvPr>
@@ -1316,7 +1426,7 @@
           <p:cNvPr id="282" name="Google Shape;282;g14b75cd550d_0_5:notes">
             <a:extLst>
               <a:ext uri="{FF2B5EF4-FFF2-40B4-BE49-F238E27FC236}">
-                <a16:creationId xmlns:a16="http://schemas.microsoft.com/office/drawing/2014/main" id="{5818F5D7-96C1-60EE-87D3-64FCE71870B8}"/>
+                <a16:creationId xmlns:a16="http://schemas.microsoft.com/office/drawing/2014/main" id="{A39887D1-CB30-4F27-0973-6C8DE9B06A01}"/>
               </a:ext>
             </a:extLst>
           </p:cNvPr>
@@ -1360,7 +1470,7 @@
           <p:cNvPr id="283" name="Google Shape;283;g14b75cd550d_0_5:notes">
             <a:extLst>
               <a:ext uri="{FF2B5EF4-FFF2-40B4-BE49-F238E27FC236}">
-                <a16:creationId xmlns:a16="http://schemas.microsoft.com/office/drawing/2014/main" id="{199D22D1-2793-C15C-D78A-A45FAC70C3B2}"/>
+                <a16:creationId xmlns:a16="http://schemas.microsoft.com/office/drawing/2014/main" id="{54642D81-09DC-C79A-2B6E-C7213AF1EB18}"/>
               </a:ext>
             </a:extLst>
           </p:cNvPr>
@@ -1405,6 +1515,133 @@
     </p:spTree>
     <p:extLst>
       <p:ext uri="{BB962C8B-B14F-4D97-AF65-F5344CB8AC3E}">
+        <p14:creationId xmlns:p14="http://schemas.microsoft.com/office/powerpoint/2010/main" val="3272631419"/>
+      </p:ext>
+    </p:extLst>
+  </p:cSld>
+  <p:clrMapOvr>
+    <a:masterClrMapping/>
+  </p:clrMapOvr>
+</p:notes>
+</file>
+
+<file path=ppt/notesSlides/notesSlide5.xml><?xml version="1.0" encoding="utf-8"?>
+<p:notes xmlns:a="http://schemas.openxmlformats.org/drawingml/2006/main" xmlns:r="http://schemas.openxmlformats.org/officeDocument/2006/relationships" xmlns:p="http://schemas.openxmlformats.org/presentationml/2006/main" showMasterSp="0" showMasterPhAnim="0">
+  <p:cSld>
+    <p:spTree>
+      <p:nvGrpSpPr>
+        <p:cNvPr id="1" name="Shape 281">
+          <a:extLst>
+            <a:ext uri="{FF2B5EF4-FFF2-40B4-BE49-F238E27FC236}">
+              <a16:creationId xmlns:a16="http://schemas.microsoft.com/office/drawing/2014/main" id="{39E666E8-7ABD-2C21-6CBB-615D269319C8}"/>
+            </a:ext>
+          </a:extLst>
+        </p:cNvPr>
+        <p:cNvGrpSpPr/>
+        <p:nvPr/>
+      </p:nvGrpSpPr>
+      <p:grpSpPr>
+        <a:xfrm>
+          <a:off x="0" y="0"/>
+          <a:ext cx="0" cy="0"/>
+          <a:chOff x="0" y="0"/>
+          <a:chExt cx="0" cy="0"/>
+        </a:xfrm>
+      </p:grpSpPr>
+      <p:sp>
+        <p:nvSpPr>
+          <p:cNvPr id="282" name="Google Shape;282;g14b75cd550d_0_5:notes">
+            <a:extLst>
+              <a:ext uri="{FF2B5EF4-FFF2-40B4-BE49-F238E27FC236}">
+                <a16:creationId xmlns:a16="http://schemas.microsoft.com/office/drawing/2014/main" id="{5818F5D7-96C1-60EE-87D3-64FCE71870B8}"/>
+              </a:ext>
+            </a:extLst>
+          </p:cNvPr>
+          <p:cNvSpPr txBox="1">
+            <a:spLocks noGrp="1"/>
+          </p:cNvSpPr>
+          <p:nvPr>
+            <p:ph type="body" idx="1"/>
+          </p:nvPr>
+        </p:nvSpPr>
+        <p:spPr>
+          <a:xfrm>
+            <a:off x="685800" y="4343400"/>
+            <a:ext cx="5486400" cy="4114800"/>
+          </a:xfrm>
+          <a:prstGeom prst="rect">
+            <a:avLst/>
+          </a:prstGeom>
+        </p:spPr>
+        <p:txBody>
+          <a:bodyPr spcFirstLastPara="1" wrap="square" lIns="91425" tIns="91425" rIns="91425" bIns="91425" anchor="t" anchorCtr="0">
+            <a:noAutofit/>
+          </a:bodyPr>
+          <a:lstStyle/>
+          <a:p>
+            <a:pPr marL="0" lvl="0" indent="0" algn="l" rtl="0">
+              <a:spcBef>
+                <a:spcPts val="0"/>
+              </a:spcBef>
+              <a:spcAft>
+                <a:spcPts val="0"/>
+              </a:spcAft>
+              <a:buNone/>
+            </a:pPr>
+            <a:endParaRPr/>
+          </a:p>
+        </p:txBody>
+      </p:sp>
+      <p:sp>
+        <p:nvSpPr>
+          <p:cNvPr id="283" name="Google Shape;283;g14b75cd550d_0_5:notes">
+            <a:extLst>
+              <a:ext uri="{FF2B5EF4-FFF2-40B4-BE49-F238E27FC236}">
+                <a16:creationId xmlns:a16="http://schemas.microsoft.com/office/drawing/2014/main" id="{199D22D1-2793-C15C-D78A-A45FAC70C3B2}"/>
+              </a:ext>
+            </a:extLst>
+          </p:cNvPr>
+          <p:cNvSpPr>
+            <a:spLocks noGrp="1" noRot="1" noChangeAspect="1"/>
+          </p:cNvSpPr>
+          <p:nvPr>
+            <p:ph type="sldImg" idx="2"/>
+          </p:nvPr>
+        </p:nvSpPr>
+        <p:spPr>
+          <a:xfrm>
+            <a:off x="381000" y="685800"/>
+            <a:ext cx="6096000" cy="3429000"/>
+          </a:xfrm>
+          <a:custGeom>
+            <a:avLst/>
+            <a:gdLst/>
+            <a:ahLst/>
+            <a:cxnLst/>
+            <a:rect l="l" t="t" r="r" b="b"/>
+            <a:pathLst>
+              <a:path w="120000" h="120000" extrusionOk="0">
+                <a:moveTo>
+                  <a:pt x="0" y="0"/>
+                </a:moveTo>
+                <a:lnTo>
+                  <a:pt x="120000" y="0"/>
+                </a:lnTo>
+                <a:lnTo>
+                  <a:pt x="120000" y="120000"/>
+                </a:lnTo>
+                <a:lnTo>
+                  <a:pt x="0" y="120000"/>
+                </a:lnTo>
+                <a:close/>
+              </a:path>
+            </a:pathLst>
+          </a:custGeom>
+        </p:spPr>
+      </p:sp>
+    </p:spTree>
+    <p:extLst>
+      <p:ext uri="{BB962C8B-B14F-4D97-AF65-F5344CB8AC3E}">
         <p14:creationId xmlns:p14="http://schemas.microsoft.com/office/powerpoint/2010/main" val="1145300974"/>
       </p:ext>
     </p:extLst>
@@ -1415,7 +1652,7 @@
 </p:notes>
 </file>
 
-<file path=ppt/notesSlides/notesSlide5.xml><?xml version="1.0" encoding="utf-8"?>
+<file path=ppt/notesSlides/notesSlide6.xml><?xml version="1.0" encoding="utf-8"?>
 <p:notes xmlns:a="http://schemas.openxmlformats.org/drawingml/2006/main" xmlns:r="http://schemas.openxmlformats.org/officeDocument/2006/relationships" xmlns:p="http://schemas.openxmlformats.org/presentationml/2006/main" showMasterSp="0" showMasterPhAnim="0">
   <p:cSld>
     <p:spTree>
@@ -1542,7 +1779,7 @@
 </p:notes>
 </file>
 
-<file path=ppt/notesSlides/notesSlide6.xml><?xml version="1.0" encoding="utf-8"?>
+<file path=ppt/notesSlides/notesSlide7.xml><?xml version="1.0" encoding="utf-8"?>
 <p:notes xmlns:a="http://schemas.openxmlformats.org/drawingml/2006/main" xmlns:r="http://schemas.openxmlformats.org/officeDocument/2006/relationships" xmlns:p="http://schemas.openxmlformats.org/presentationml/2006/main" showMasterSp="0" showMasterPhAnim="0">
   <p:cSld>
     <p:spTree>
@@ -1660,115 +1897,6 @@
     <p:extLst>
       <p:ext uri="{BB962C8B-B14F-4D97-AF65-F5344CB8AC3E}">
         <p14:creationId xmlns:p14="http://schemas.microsoft.com/office/powerpoint/2010/main" val="1606868146"/>
-      </p:ext>
-    </p:extLst>
-  </p:cSld>
-  <p:clrMapOvr>
-    <a:masterClrMapping/>
-  </p:clrMapOvr>
-</p:notes>
-</file>
-
-<file path=ppt/notesSlides/notesSlide7.xml><?xml version="1.0" encoding="utf-8"?>
-<p:notes xmlns:a="http://schemas.openxmlformats.org/drawingml/2006/main" xmlns:r="http://schemas.openxmlformats.org/officeDocument/2006/relationships" xmlns:p="http://schemas.openxmlformats.org/presentationml/2006/main" showMasterSp="0" showMasterPhAnim="0">
-  <p:cSld>
-    <p:spTree>
-      <p:nvGrpSpPr>
-        <p:cNvPr id="1" name="Shape 281"/>
-        <p:cNvGrpSpPr/>
-        <p:nvPr/>
-      </p:nvGrpSpPr>
-      <p:grpSpPr>
-        <a:xfrm>
-          <a:off x="0" y="0"/>
-          <a:ext cx="0" cy="0"/>
-          <a:chOff x="0" y="0"/>
-          <a:chExt cx="0" cy="0"/>
-        </a:xfrm>
-      </p:grpSpPr>
-      <p:sp>
-        <p:nvSpPr>
-          <p:cNvPr id="282" name="Google Shape;282;g14b75cd550d_0_5:notes"/>
-          <p:cNvSpPr txBox="1">
-            <a:spLocks noGrp="1"/>
-          </p:cNvSpPr>
-          <p:nvPr>
-            <p:ph type="body" idx="1"/>
-          </p:nvPr>
-        </p:nvSpPr>
-        <p:spPr>
-          <a:xfrm>
-            <a:off x="685800" y="4343400"/>
-            <a:ext cx="5486400" cy="4114800"/>
-          </a:xfrm>
-          <a:prstGeom prst="rect">
-            <a:avLst/>
-          </a:prstGeom>
-        </p:spPr>
-        <p:txBody>
-          <a:bodyPr spcFirstLastPara="1" wrap="square" lIns="91425" tIns="91425" rIns="91425" bIns="91425" anchor="t" anchorCtr="0">
-            <a:noAutofit/>
-          </a:bodyPr>
-          <a:lstStyle/>
-          <a:p>
-            <a:pPr marL="0" lvl="0" indent="0" algn="l" rtl="0">
-              <a:spcBef>
-                <a:spcPts val="0"/>
-              </a:spcBef>
-              <a:spcAft>
-                <a:spcPts val="0"/>
-              </a:spcAft>
-              <a:buNone/>
-            </a:pPr>
-            <a:endParaRPr/>
-          </a:p>
-        </p:txBody>
-      </p:sp>
-      <p:sp>
-        <p:nvSpPr>
-          <p:cNvPr id="283" name="Google Shape;283;g14b75cd550d_0_5:notes"/>
-          <p:cNvSpPr>
-            <a:spLocks noGrp="1" noRot="1" noChangeAspect="1"/>
-          </p:cNvSpPr>
-          <p:nvPr>
-            <p:ph type="sldImg" idx="2"/>
-          </p:nvPr>
-        </p:nvSpPr>
-        <p:spPr>
-          <a:xfrm>
-            <a:off x="381000" y="685800"/>
-            <a:ext cx="6096000" cy="3429000"/>
-          </a:xfrm>
-          <a:custGeom>
-            <a:avLst/>
-            <a:gdLst/>
-            <a:ahLst/>
-            <a:cxnLst/>
-            <a:rect l="l" t="t" r="r" b="b"/>
-            <a:pathLst>
-              <a:path w="120000" h="120000" extrusionOk="0">
-                <a:moveTo>
-                  <a:pt x="0" y="0"/>
-                </a:moveTo>
-                <a:lnTo>
-                  <a:pt x="120000" y="0"/>
-                </a:lnTo>
-                <a:lnTo>
-                  <a:pt x="120000" y="120000"/>
-                </a:lnTo>
-                <a:lnTo>
-                  <a:pt x="0" y="120000"/>
-                </a:lnTo>
-                <a:close/>
-              </a:path>
-            </a:pathLst>
-          </a:custGeom>
-        </p:spPr>
-      </p:sp>
-    </p:spTree>
-    <p:extLst>
-      <p:ext uri="{BB962C8B-B14F-4D97-AF65-F5344CB8AC3E}">
-        <p14:creationId xmlns:p14="http://schemas.microsoft.com/office/powerpoint/2010/main" val="1787343195"/>
       </p:ext>
     </p:extLst>
   </p:cSld>
@@ -1877,7 +2005,7 @@
     </p:spTree>
     <p:extLst>
       <p:ext uri="{BB962C8B-B14F-4D97-AF65-F5344CB8AC3E}">
-        <p14:creationId xmlns:p14="http://schemas.microsoft.com/office/powerpoint/2010/main" val="3306947335"/>
+        <p14:creationId xmlns:p14="http://schemas.microsoft.com/office/powerpoint/2010/main" val="1787343195"/>
       </p:ext>
     </p:extLst>
   </p:cSld>
@@ -1986,7 +2114,7 @@
     </p:spTree>
     <p:extLst>
       <p:ext uri="{BB962C8B-B14F-4D97-AF65-F5344CB8AC3E}">
-        <p14:creationId xmlns:p14="http://schemas.microsoft.com/office/powerpoint/2010/main" val="1616241126"/>
+        <p14:creationId xmlns:p14="http://schemas.microsoft.com/office/powerpoint/2010/main" val="3306947335"/>
       </p:ext>
     </p:extLst>
   </p:cSld>
@@ -12401,6 +12529,676 @@
       </p:sp>
       <p:cxnSp>
         <p:nvCxnSpPr>
+          <p:cNvPr id="19" name="Gerade Verbindung 18">
+            <a:extLst>
+              <a:ext uri="{FF2B5EF4-FFF2-40B4-BE49-F238E27FC236}">
+                <a16:creationId xmlns:a16="http://schemas.microsoft.com/office/drawing/2014/main" id="{95DAE19A-331D-A112-0849-F1148ECE67EC}"/>
+              </a:ext>
+            </a:extLst>
+          </p:cNvPr>
+          <p:cNvCxnSpPr>
+            <a:cxnSpLocks/>
+            <a:endCxn id="21" idx="2"/>
+          </p:cNvCxnSpPr>
+          <p:nvPr/>
+        </p:nvCxnSpPr>
+        <p:spPr>
+          <a:xfrm flipV="1">
+            <a:off x="3341031" y="2709279"/>
+            <a:ext cx="0" cy="456442"/>
+          </a:xfrm>
+          <a:prstGeom prst="line">
+            <a:avLst/>
+          </a:prstGeom>
+          <a:ln w="31750">
+            <a:solidFill>
+              <a:srgbClr val="698E30"/>
+            </a:solidFill>
+          </a:ln>
+        </p:spPr>
+        <p:style>
+          <a:lnRef idx="1">
+            <a:schemeClr val="accent1"/>
+          </a:lnRef>
+          <a:fillRef idx="0">
+            <a:schemeClr val="accent1"/>
+          </a:fillRef>
+          <a:effectRef idx="0">
+            <a:schemeClr val="accent1"/>
+          </a:effectRef>
+          <a:fontRef idx="minor">
+            <a:schemeClr val="tx1"/>
+          </a:fontRef>
+        </p:style>
+      </p:cxnSp>
+      <p:sp>
+        <p:nvSpPr>
+          <p:cNvPr id="20" name="Textfeld 19">
+            <a:extLst>
+              <a:ext uri="{FF2B5EF4-FFF2-40B4-BE49-F238E27FC236}">
+                <a16:creationId xmlns:a16="http://schemas.microsoft.com/office/drawing/2014/main" id="{5802A953-A68A-0BD0-669D-5DC5026B220A}"/>
+              </a:ext>
+            </a:extLst>
+          </p:cNvPr>
+          <p:cNvSpPr txBox="1"/>
+          <p:nvPr/>
+        </p:nvSpPr>
+        <p:spPr>
+          <a:xfrm>
+            <a:off x="3067692" y="3251377"/>
+            <a:ext cx="525217" cy="161583"/>
+          </a:xfrm>
+          <a:prstGeom prst="rect">
+            <a:avLst/>
+          </a:prstGeom>
+          <a:noFill/>
+        </p:spPr>
+        <p:txBody>
+          <a:bodyPr wrap="square" lIns="0" tIns="0" rIns="0" bIns="0" rtlCol="0">
+            <a:spAutoFit/>
+          </a:bodyPr>
+          <a:lstStyle/>
+          <a:p>
+            <a:pPr algn="ctr"/>
+            <a:r>
+              <a:rPr lang="de-DE" sz="1050" b="1" dirty="0">
+                <a:solidFill>
+                  <a:schemeClr val="bg1"/>
+                </a:solidFill>
+                <a:latin typeface="Roboto Condensed" panose="02000000000000000000" pitchFamily="2" charset="0"/>
+                <a:ea typeface="Roboto Condensed" panose="02000000000000000000" pitchFamily="2" charset="0"/>
+              </a:rPr>
+              <a:t>1978</a:t>
+            </a:r>
+          </a:p>
+        </p:txBody>
+      </p:sp>
+      <p:sp>
+        <p:nvSpPr>
+          <p:cNvPr id="21" name="Abgerundetes Rechteck 20">
+            <a:extLst>
+              <a:ext uri="{FF2B5EF4-FFF2-40B4-BE49-F238E27FC236}">
+                <a16:creationId xmlns:a16="http://schemas.microsoft.com/office/drawing/2014/main" id="{9C449EBF-5814-D677-3C8E-330F1AD3939A}"/>
+              </a:ext>
+            </a:extLst>
+          </p:cNvPr>
+          <p:cNvSpPr/>
+          <p:nvPr/>
+        </p:nvSpPr>
+        <p:spPr>
+          <a:xfrm>
+            <a:off x="2941873" y="2379252"/>
+            <a:ext cx="798315" cy="330027"/>
+          </a:xfrm>
+          <a:prstGeom prst="roundRect">
+            <a:avLst/>
+          </a:prstGeom>
+          <a:solidFill>
+            <a:srgbClr val="92D050"/>
+          </a:solidFill>
+          <a:ln>
+            <a:solidFill>
+              <a:srgbClr val="698E30"/>
+            </a:solidFill>
+          </a:ln>
+        </p:spPr>
+        <p:style>
+          <a:lnRef idx="2">
+            <a:schemeClr val="accent1">
+              <a:shade val="50000"/>
+            </a:schemeClr>
+          </a:lnRef>
+          <a:fillRef idx="1">
+            <a:schemeClr val="accent1"/>
+          </a:fillRef>
+          <a:effectRef idx="0">
+            <a:schemeClr val="accent1"/>
+          </a:effectRef>
+          <a:fontRef idx="minor">
+            <a:schemeClr val="lt1"/>
+          </a:fontRef>
+        </p:style>
+        <p:txBody>
+          <a:bodyPr lIns="0" tIns="0" rIns="0" bIns="0" rtlCol="0" anchor="ctr"/>
+          <a:lstStyle/>
+          <a:p>
+            <a:pPr algn="ctr"/>
+            <a:r>
+              <a:rPr lang="de-DE" sz="1200" b="1" dirty="0" err="1">
+                <a:latin typeface="Roboto Condensed" panose="02000000000000000000" pitchFamily="2" charset="0"/>
+                <a:ea typeface="Roboto Condensed" panose="02000000000000000000" pitchFamily="2" charset="0"/>
+              </a:rPr>
+              <a:t>Misanchuk</a:t>
+            </a:r>
+            <a:endParaRPr lang="de-DE" sz="1200" b="1" dirty="0">
+              <a:latin typeface="Roboto Condensed" panose="02000000000000000000" pitchFamily="2" charset="0"/>
+              <a:ea typeface="Roboto Condensed" panose="02000000000000000000" pitchFamily="2" charset="0"/>
+            </a:endParaRPr>
+          </a:p>
+        </p:txBody>
+      </p:sp>
+      <p:cxnSp>
+        <p:nvCxnSpPr>
+          <p:cNvPr id="2" name="Gerade Verbindung 1">
+            <a:extLst>
+              <a:ext uri="{FF2B5EF4-FFF2-40B4-BE49-F238E27FC236}">
+                <a16:creationId xmlns:a16="http://schemas.microsoft.com/office/drawing/2014/main" id="{2C1D6FC5-B0B8-33C7-F324-0E7E464C1702}"/>
+              </a:ext>
+            </a:extLst>
+          </p:cNvPr>
+          <p:cNvCxnSpPr>
+            <a:cxnSpLocks/>
+            <a:endCxn id="5" idx="2"/>
+          </p:cNvCxnSpPr>
+          <p:nvPr/>
+        </p:nvCxnSpPr>
+        <p:spPr>
+          <a:xfrm flipV="1">
+            <a:off x="1226431" y="2703725"/>
+            <a:ext cx="0" cy="453028"/>
+          </a:xfrm>
+          <a:prstGeom prst="line">
+            <a:avLst/>
+          </a:prstGeom>
+          <a:ln w="31750">
+            <a:solidFill>
+              <a:srgbClr val="698E30"/>
+            </a:solidFill>
+          </a:ln>
+        </p:spPr>
+        <p:style>
+          <a:lnRef idx="1">
+            <a:schemeClr val="accent1"/>
+          </a:lnRef>
+          <a:fillRef idx="0">
+            <a:schemeClr val="accent1"/>
+          </a:fillRef>
+          <a:effectRef idx="0">
+            <a:schemeClr val="accent1"/>
+          </a:effectRef>
+          <a:fontRef idx="minor">
+            <a:schemeClr val="tx1"/>
+          </a:fontRef>
+        </p:style>
+      </p:cxnSp>
+      <p:sp>
+        <p:nvSpPr>
+          <p:cNvPr id="4" name="Textfeld 3">
+            <a:extLst>
+              <a:ext uri="{FF2B5EF4-FFF2-40B4-BE49-F238E27FC236}">
+                <a16:creationId xmlns:a16="http://schemas.microsoft.com/office/drawing/2014/main" id="{E573EBF2-379A-88E4-C63D-113DCDB037B2}"/>
+              </a:ext>
+            </a:extLst>
+          </p:cNvPr>
+          <p:cNvSpPr txBox="1"/>
+          <p:nvPr/>
+        </p:nvSpPr>
+        <p:spPr>
+          <a:xfrm>
+            <a:off x="951894" y="3242410"/>
+            <a:ext cx="525217" cy="161583"/>
+          </a:xfrm>
+          <a:prstGeom prst="rect">
+            <a:avLst/>
+          </a:prstGeom>
+          <a:noFill/>
+        </p:spPr>
+        <p:txBody>
+          <a:bodyPr wrap="square" lIns="0" tIns="0" rIns="0" bIns="0" rtlCol="0">
+            <a:spAutoFit/>
+          </a:bodyPr>
+          <a:lstStyle/>
+          <a:p>
+            <a:pPr algn="ctr"/>
+            <a:r>
+              <a:rPr lang="de-DE" sz="1050" b="1" dirty="0">
+                <a:solidFill>
+                  <a:schemeClr val="bg1"/>
+                </a:solidFill>
+                <a:latin typeface="Roboto Condensed" panose="02000000000000000000" pitchFamily="2" charset="0"/>
+                <a:ea typeface="Roboto Condensed" panose="02000000000000000000" pitchFamily="2" charset="0"/>
+              </a:rPr>
+              <a:t>1964</a:t>
+            </a:r>
+          </a:p>
+        </p:txBody>
+      </p:sp>
+      <p:sp>
+        <p:nvSpPr>
+          <p:cNvPr id="5" name="Abgerundetes Rechteck 4">
+            <a:extLst>
+              <a:ext uri="{FF2B5EF4-FFF2-40B4-BE49-F238E27FC236}">
+                <a16:creationId xmlns:a16="http://schemas.microsoft.com/office/drawing/2014/main" id="{3071A008-9EBF-AFE5-1A48-485D3090C978}"/>
+              </a:ext>
+            </a:extLst>
+          </p:cNvPr>
+          <p:cNvSpPr/>
+          <p:nvPr/>
+        </p:nvSpPr>
+        <p:spPr>
+          <a:xfrm>
+            <a:off x="827274" y="2445715"/>
+            <a:ext cx="798314" cy="258010"/>
+          </a:xfrm>
+          <a:prstGeom prst="roundRect">
+            <a:avLst/>
+          </a:prstGeom>
+          <a:solidFill>
+            <a:srgbClr val="92D050"/>
+          </a:solidFill>
+          <a:ln>
+            <a:solidFill>
+              <a:srgbClr val="698E30"/>
+            </a:solidFill>
+          </a:ln>
+        </p:spPr>
+        <p:style>
+          <a:lnRef idx="2">
+            <a:schemeClr val="accent1">
+              <a:shade val="50000"/>
+            </a:schemeClr>
+          </a:lnRef>
+          <a:fillRef idx="1">
+            <a:schemeClr val="accent1"/>
+          </a:fillRef>
+          <a:effectRef idx="0">
+            <a:schemeClr val="accent1"/>
+          </a:effectRef>
+          <a:fontRef idx="minor">
+            <a:schemeClr val="lt1"/>
+          </a:fontRef>
+        </p:style>
+        <p:txBody>
+          <a:bodyPr lIns="0" tIns="0" rIns="0" bIns="0" rtlCol="0" anchor="ctr"/>
+          <a:lstStyle/>
+          <a:p>
+            <a:pPr algn="ctr"/>
+            <a:r>
+              <a:rPr lang="de-DE" sz="1200" b="1" dirty="0">
+                <a:latin typeface="Roboto Condensed" panose="02000000000000000000" pitchFamily="2" charset="0"/>
+                <a:ea typeface="Roboto Condensed" panose="02000000000000000000" pitchFamily="2" charset="0"/>
+              </a:rPr>
+              <a:t>Cronbach</a:t>
+            </a:r>
+          </a:p>
+        </p:txBody>
+      </p:sp>
+    </p:spTree>
+    <p:extLst>
+      <p:ext uri="{BB962C8B-B14F-4D97-AF65-F5344CB8AC3E}">
+        <p14:creationId xmlns:p14="http://schemas.microsoft.com/office/powerpoint/2010/main" val="1862117629"/>
+      </p:ext>
+    </p:extLst>
+  </p:cSld>
+  <p:clrMapOvr>
+    <a:masterClrMapping/>
+  </p:clrMapOvr>
+</p:sld>
+</file>
+
+<file path=ppt/slides/slide11.xml><?xml version="1.0" encoding="utf-8"?>
+<p:sld xmlns:a="http://schemas.openxmlformats.org/drawingml/2006/main" xmlns:r="http://schemas.openxmlformats.org/officeDocument/2006/relationships" xmlns:p="http://schemas.openxmlformats.org/presentationml/2006/main">
+  <p:cSld>
+    <p:bg>
+      <p:bgPr>
+        <a:solidFill>
+          <a:schemeClr val="tx1"/>
+        </a:solidFill>
+        <a:effectLst/>
+      </p:bgPr>
+    </p:bg>
+    <p:spTree>
+      <p:nvGrpSpPr>
+        <p:cNvPr id="1" name="Shape 284"/>
+        <p:cNvGrpSpPr/>
+        <p:nvPr/>
+      </p:nvGrpSpPr>
+      <p:grpSpPr>
+        <a:xfrm>
+          <a:off x="0" y="0"/>
+          <a:ext cx="0" cy="0"/>
+          <a:chOff x="0" y="0"/>
+          <a:chExt cx="0" cy="0"/>
+        </a:xfrm>
+      </p:grpSpPr>
+      <p:cxnSp>
+        <p:nvCxnSpPr>
+          <p:cNvPr id="3" name="Gerade Verbindung mit Pfeil 2">
+            <a:extLst>
+              <a:ext uri="{FF2B5EF4-FFF2-40B4-BE49-F238E27FC236}">
+                <a16:creationId xmlns:a16="http://schemas.microsoft.com/office/drawing/2014/main" id="{AA11BAF7-8E88-BA9F-E50D-549EB70CD471}"/>
+              </a:ext>
+            </a:extLst>
+          </p:cNvPr>
+          <p:cNvCxnSpPr/>
+          <p:nvPr/>
+        </p:nvCxnSpPr>
+        <p:spPr>
+          <a:xfrm>
+            <a:off x="747891" y="3165721"/>
+            <a:ext cx="8393102" cy="0"/>
+          </a:xfrm>
+          <a:prstGeom prst="straightConnector1">
+            <a:avLst/>
+          </a:prstGeom>
+          <a:ln w="76200">
+            <a:solidFill>
+              <a:srgbClr val="698E30"/>
+            </a:solidFill>
+            <a:tailEnd type="triangle"/>
+          </a:ln>
+        </p:spPr>
+        <p:style>
+          <a:lnRef idx="1">
+            <a:schemeClr val="accent1"/>
+          </a:lnRef>
+          <a:fillRef idx="0">
+            <a:schemeClr val="accent1"/>
+          </a:fillRef>
+          <a:effectRef idx="0">
+            <a:schemeClr val="accent1"/>
+          </a:effectRef>
+          <a:fontRef idx="minor">
+            <a:schemeClr val="tx1"/>
+          </a:fontRef>
+        </p:style>
+      </p:cxnSp>
+      <p:cxnSp>
+        <p:nvCxnSpPr>
+          <p:cNvPr id="6" name="Gerade Verbindung 5">
+            <a:extLst>
+              <a:ext uri="{FF2B5EF4-FFF2-40B4-BE49-F238E27FC236}">
+                <a16:creationId xmlns:a16="http://schemas.microsoft.com/office/drawing/2014/main" id="{0962A2E1-27A5-72E5-AD1D-FC2B66DCFA94}"/>
+              </a:ext>
+            </a:extLst>
+          </p:cNvPr>
+          <p:cNvCxnSpPr>
+            <a:cxnSpLocks/>
+          </p:cNvCxnSpPr>
+          <p:nvPr/>
+        </p:nvCxnSpPr>
+        <p:spPr>
+          <a:xfrm flipV="1">
+            <a:off x="1776270" y="3165721"/>
+            <a:ext cx="0" cy="379017"/>
+          </a:xfrm>
+          <a:prstGeom prst="line">
+            <a:avLst/>
+          </a:prstGeom>
+          <a:ln w="31750">
+            <a:solidFill>
+              <a:srgbClr val="698E30"/>
+            </a:solidFill>
+          </a:ln>
+        </p:spPr>
+        <p:style>
+          <a:lnRef idx="1">
+            <a:schemeClr val="accent1"/>
+          </a:lnRef>
+          <a:fillRef idx="0">
+            <a:schemeClr val="accent1"/>
+          </a:fillRef>
+          <a:effectRef idx="0">
+            <a:schemeClr val="accent1"/>
+          </a:effectRef>
+          <a:fontRef idx="minor">
+            <a:schemeClr val="tx1"/>
+          </a:fontRef>
+        </p:style>
+      </p:cxnSp>
+      <p:sp>
+        <p:nvSpPr>
+          <p:cNvPr id="10" name="Textfeld 9">
+            <a:extLst>
+              <a:ext uri="{FF2B5EF4-FFF2-40B4-BE49-F238E27FC236}">
+                <a16:creationId xmlns:a16="http://schemas.microsoft.com/office/drawing/2014/main" id="{C7B9D596-D485-5B09-0A58-948270D623B6}"/>
+              </a:ext>
+            </a:extLst>
+          </p:cNvPr>
+          <p:cNvSpPr txBox="1"/>
+          <p:nvPr/>
+        </p:nvSpPr>
+        <p:spPr>
+          <a:xfrm>
+            <a:off x="1512515" y="2922129"/>
+            <a:ext cx="525217" cy="161583"/>
+          </a:xfrm>
+          <a:prstGeom prst="rect">
+            <a:avLst/>
+          </a:prstGeom>
+          <a:noFill/>
+        </p:spPr>
+        <p:txBody>
+          <a:bodyPr wrap="square" lIns="0" tIns="0" rIns="0" bIns="0" rtlCol="0">
+            <a:spAutoFit/>
+          </a:bodyPr>
+          <a:lstStyle/>
+          <a:p>
+            <a:pPr algn="ctr"/>
+            <a:r>
+              <a:rPr lang="de-DE" sz="1050" b="1" dirty="0">
+                <a:solidFill>
+                  <a:schemeClr val="bg1"/>
+                </a:solidFill>
+                <a:latin typeface="Roboto Condensed" panose="02000000000000000000" pitchFamily="2" charset="0"/>
+                <a:ea typeface="Roboto Condensed" panose="02000000000000000000" pitchFamily="2" charset="0"/>
+              </a:rPr>
+              <a:t>1967</a:t>
+            </a:r>
+          </a:p>
+        </p:txBody>
+      </p:sp>
+      <p:cxnSp>
+        <p:nvCxnSpPr>
+          <p:cNvPr id="12" name="Gerade Verbindung 11">
+            <a:extLst>
+              <a:ext uri="{FF2B5EF4-FFF2-40B4-BE49-F238E27FC236}">
+                <a16:creationId xmlns:a16="http://schemas.microsoft.com/office/drawing/2014/main" id="{755805DC-F163-23FE-E21D-8BED99F06F34}"/>
+              </a:ext>
+            </a:extLst>
+          </p:cNvPr>
+          <p:cNvCxnSpPr>
+            <a:cxnSpLocks/>
+          </p:cNvCxnSpPr>
+          <p:nvPr/>
+        </p:nvCxnSpPr>
+        <p:spPr>
+          <a:xfrm flipV="1">
+            <a:off x="2119940" y="2786704"/>
+            <a:ext cx="0" cy="379017"/>
+          </a:xfrm>
+          <a:prstGeom prst="line">
+            <a:avLst/>
+          </a:prstGeom>
+          <a:ln w="31750">
+            <a:solidFill>
+              <a:srgbClr val="698E30"/>
+            </a:solidFill>
+          </a:ln>
+        </p:spPr>
+        <p:style>
+          <a:lnRef idx="1">
+            <a:schemeClr val="accent1"/>
+          </a:lnRef>
+          <a:fillRef idx="0">
+            <a:schemeClr val="accent1"/>
+          </a:fillRef>
+          <a:effectRef idx="0">
+            <a:schemeClr val="accent1"/>
+          </a:effectRef>
+          <a:fontRef idx="minor">
+            <a:schemeClr val="tx1"/>
+          </a:fontRef>
+        </p:style>
+      </p:cxnSp>
+      <p:sp>
+        <p:nvSpPr>
+          <p:cNvPr id="13" name="Textfeld 12">
+            <a:extLst>
+              <a:ext uri="{FF2B5EF4-FFF2-40B4-BE49-F238E27FC236}">
+                <a16:creationId xmlns:a16="http://schemas.microsoft.com/office/drawing/2014/main" id="{EF8A2ECD-6FE7-C547-55F9-78CABF17D4F6}"/>
+              </a:ext>
+            </a:extLst>
+          </p:cNvPr>
+          <p:cNvSpPr txBox="1"/>
+          <p:nvPr/>
+        </p:nvSpPr>
+        <p:spPr>
+          <a:xfrm>
+            <a:off x="1857331" y="3251377"/>
+            <a:ext cx="525217" cy="161583"/>
+          </a:xfrm>
+          <a:prstGeom prst="rect">
+            <a:avLst/>
+          </a:prstGeom>
+          <a:noFill/>
+        </p:spPr>
+        <p:txBody>
+          <a:bodyPr wrap="square" lIns="0" tIns="0" rIns="0" bIns="0" rtlCol="0">
+            <a:spAutoFit/>
+          </a:bodyPr>
+          <a:lstStyle/>
+          <a:p>
+            <a:pPr algn="ctr"/>
+            <a:r>
+              <a:rPr lang="de-DE" sz="1050" b="1" dirty="0">
+                <a:solidFill>
+                  <a:schemeClr val="bg1"/>
+                </a:solidFill>
+                <a:latin typeface="Roboto Condensed" panose="02000000000000000000" pitchFamily="2" charset="0"/>
+                <a:ea typeface="Roboto Condensed" panose="02000000000000000000" pitchFamily="2" charset="0"/>
+              </a:rPr>
+              <a:t>1969</a:t>
+            </a:r>
+          </a:p>
+        </p:txBody>
+      </p:sp>
+      <p:sp>
+        <p:nvSpPr>
+          <p:cNvPr id="14" name="Abgerundetes Rechteck 13">
+            <a:extLst>
+              <a:ext uri="{FF2B5EF4-FFF2-40B4-BE49-F238E27FC236}">
+                <a16:creationId xmlns:a16="http://schemas.microsoft.com/office/drawing/2014/main" id="{C6ACBC17-88A6-1C93-A0E2-5342C78CDE6A}"/>
+              </a:ext>
+            </a:extLst>
+          </p:cNvPr>
+          <p:cNvSpPr/>
+          <p:nvPr/>
+        </p:nvSpPr>
+        <p:spPr>
+          <a:xfrm>
+            <a:off x="1795466" y="2589157"/>
+            <a:ext cx="648945" cy="258010"/>
+          </a:xfrm>
+          <a:prstGeom prst="roundRect">
+            <a:avLst/>
+          </a:prstGeom>
+          <a:solidFill>
+            <a:srgbClr val="92D050"/>
+          </a:solidFill>
+          <a:ln>
+            <a:solidFill>
+              <a:srgbClr val="698E30"/>
+            </a:solidFill>
+          </a:ln>
+        </p:spPr>
+        <p:style>
+          <a:lnRef idx="2">
+            <a:schemeClr val="accent1">
+              <a:shade val="50000"/>
+            </a:schemeClr>
+          </a:lnRef>
+          <a:fillRef idx="1">
+            <a:schemeClr val="accent1"/>
+          </a:fillRef>
+          <a:effectRef idx="0">
+            <a:schemeClr val="accent1"/>
+          </a:effectRef>
+          <a:fontRef idx="minor">
+            <a:schemeClr val="lt1"/>
+          </a:fontRef>
+        </p:style>
+        <p:txBody>
+          <a:bodyPr lIns="0" tIns="0" rIns="0" bIns="0" rtlCol="0" anchor="ctr"/>
+          <a:lstStyle/>
+          <a:p>
+            <a:pPr algn="ctr"/>
+            <a:r>
+              <a:rPr lang="de-DE" sz="1200" b="1" dirty="0">
+                <a:latin typeface="Roboto Condensed" panose="02000000000000000000" pitchFamily="2" charset="0"/>
+                <a:ea typeface="Roboto Condensed" panose="02000000000000000000" pitchFamily="2" charset="0"/>
+              </a:rPr>
+              <a:t>Bloom</a:t>
+            </a:r>
+          </a:p>
+        </p:txBody>
+      </p:sp>
+      <p:sp>
+        <p:nvSpPr>
+          <p:cNvPr id="15" name="Abgerundetes Rechteck 14">
+            <a:extLst>
+              <a:ext uri="{FF2B5EF4-FFF2-40B4-BE49-F238E27FC236}">
+                <a16:creationId xmlns:a16="http://schemas.microsoft.com/office/drawing/2014/main" id="{755B7EBF-18F8-0BE8-1F2D-52FFEA754293}"/>
+              </a:ext>
+            </a:extLst>
+          </p:cNvPr>
+          <p:cNvSpPr/>
+          <p:nvPr/>
+        </p:nvSpPr>
+        <p:spPr>
+          <a:xfrm>
+            <a:off x="1451796" y="3544452"/>
+            <a:ext cx="648945" cy="258010"/>
+          </a:xfrm>
+          <a:prstGeom prst="roundRect">
+            <a:avLst/>
+          </a:prstGeom>
+          <a:solidFill>
+            <a:srgbClr val="92D050"/>
+          </a:solidFill>
+          <a:ln>
+            <a:solidFill>
+              <a:srgbClr val="698E30"/>
+            </a:solidFill>
+          </a:ln>
+        </p:spPr>
+        <p:style>
+          <a:lnRef idx="2">
+            <a:schemeClr val="accent1">
+              <a:shade val="50000"/>
+            </a:schemeClr>
+          </a:lnRef>
+          <a:fillRef idx="1">
+            <a:schemeClr val="accent1"/>
+          </a:fillRef>
+          <a:effectRef idx="0">
+            <a:schemeClr val="accent1"/>
+          </a:effectRef>
+          <a:fontRef idx="minor">
+            <a:schemeClr val="lt1"/>
+          </a:fontRef>
+        </p:style>
+        <p:txBody>
+          <a:bodyPr lIns="0" tIns="0" rIns="0" bIns="0" rtlCol="0" anchor="ctr"/>
+          <a:lstStyle/>
+          <a:p>
+            <a:pPr algn="ctr"/>
+            <a:r>
+              <a:rPr lang="de-DE" sz="1200" b="1" dirty="0" err="1">
+                <a:latin typeface="Roboto Condensed" panose="02000000000000000000" pitchFamily="2" charset="0"/>
+                <a:ea typeface="Roboto Condensed" panose="02000000000000000000" pitchFamily="2" charset="0"/>
+              </a:rPr>
+              <a:t>Scriven</a:t>
+            </a:r>
+            <a:endParaRPr lang="de-DE" sz="1200" b="1" dirty="0">
+              <a:latin typeface="Roboto Condensed" panose="02000000000000000000" pitchFamily="2" charset="0"/>
+              <a:ea typeface="Roboto Condensed" panose="02000000000000000000" pitchFamily="2" charset="0"/>
+            </a:endParaRPr>
+          </a:p>
+        </p:txBody>
+      </p:sp>
+      <p:cxnSp>
+        <p:nvCxnSpPr>
           <p:cNvPr id="16" name="Gerade Verbindung 15">
             <a:extLst>
               <a:ext uri="{FF2B5EF4-FFF2-40B4-BE49-F238E27FC236}">
@@ -12999,7 +13797,7 @@
 </p:sld>
 </file>
 
-<file path=ppt/slides/slide11.xml><?xml version="1.0" encoding="utf-8"?>
+<file path=ppt/slides/slide12.xml><?xml version="1.0" encoding="utf-8"?>
 <p:sld xmlns:a="http://schemas.openxmlformats.org/drawingml/2006/main" xmlns:r="http://schemas.openxmlformats.org/officeDocument/2006/relationships" xmlns:p="http://schemas.openxmlformats.org/presentationml/2006/main">
   <p:cSld>
     <p:bg>
@@ -16331,7 +17129,7 @@
         <p:cNvPr id="1" name="Shape 284">
           <a:extLst>
             <a:ext uri="{FF2B5EF4-FFF2-40B4-BE49-F238E27FC236}">
-              <a16:creationId xmlns:a16="http://schemas.microsoft.com/office/drawing/2014/main" id="{CC6F8101-A839-FC49-7DE5-45B941494932}"/>
+              <a16:creationId xmlns:a16="http://schemas.microsoft.com/office/drawing/2014/main" id="{E9F68624-E0CC-2267-D1EF-48594E245871}"/>
             </a:ext>
           </a:extLst>
         </p:cNvPr>
@@ -16348,10 +17146,233 @@
       </p:grpSpPr>
       <p:cxnSp>
         <p:nvCxnSpPr>
+          <p:cNvPr id="19" name="Gerade Verbindung 18">
+            <a:extLst>
+              <a:ext uri="{FF2B5EF4-FFF2-40B4-BE49-F238E27FC236}">
+                <a16:creationId xmlns:a16="http://schemas.microsoft.com/office/drawing/2014/main" id="{8C29EBB5-4293-B075-1083-43212247327B}"/>
+              </a:ext>
+            </a:extLst>
+          </p:cNvPr>
+          <p:cNvCxnSpPr>
+            <a:cxnSpLocks/>
+            <a:endCxn id="21" idx="2"/>
+          </p:cNvCxnSpPr>
+          <p:nvPr/>
+        </p:nvCxnSpPr>
+        <p:spPr>
+          <a:xfrm flipV="1">
+            <a:off x="3341031" y="2709279"/>
+            <a:ext cx="0" cy="456442"/>
+          </a:xfrm>
+          <a:prstGeom prst="line">
+            <a:avLst/>
+          </a:prstGeom>
+          <a:ln w="31750">
+            <a:solidFill>
+              <a:srgbClr val="A1A1A1"/>
+            </a:solidFill>
+          </a:ln>
+        </p:spPr>
+        <p:style>
+          <a:lnRef idx="1">
+            <a:schemeClr val="accent1"/>
+          </a:lnRef>
+          <a:fillRef idx="0">
+            <a:schemeClr val="accent1"/>
+          </a:fillRef>
+          <a:effectRef idx="0">
+            <a:schemeClr val="accent1"/>
+          </a:effectRef>
+          <a:fontRef idx="minor">
+            <a:schemeClr val="tx1"/>
+          </a:fontRef>
+        </p:style>
+      </p:cxnSp>
+      <p:sp>
+        <p:nvSpPr>
+          <p:cNvPr id="21" name="Abgerundetes Rechteck 20">
+            <a:extLst>
+              <a:ext uri="{FF2B5EF4-FFF2-40B4-BE49-F238E27FC236}">
+                <a16:creationId xmlns:a16="http://schemas.microsoft.com/office/drawing/2014/main" id="{B06E0E86-A324-D919-9EB2-81D5022BE7A6}"/>
+              </a:ext>
+            </a:extLst>
+          </p:cNvPr>
+          <p:cNvSpPr/>
+          <p:nvPr/>
+        </p:nvSpPr>
+        <p:spPr>
+          <a:xfrm>
+            <a:off x="2941873" y="2379252"/>
+            <a:ext cx="798315" cy="330027"/>
+          </a:xfrm>
+          <a:prstGeom prst="roundRect">
+            <a:avLst/>
+          </a:prstGeom>
+          <a:noFill/>
+          <a:ln>
+            <a:solidFill>
+              <a:srgbClr val="A1A1A1"/>
+            </a:solidFill>
+          </a:ln>
+        </p:spPr>
+        <p:style>
+          <a:lnRef idx="2">
+            <a:schemeClr val="accent1">
+              <a:shade val="50000"/>
+            </a:schemeClr>
+          </a:lnRef>
+          <a:fillRef idx="1">
+            <a:schemeClr val="accent1"/>
+          </a:fillRef>
+          <a:effectRef idx="0">
+            <a:schemeClr val="accent1"/>
+          </a:effectRef>
+          <a:fontRef idx="minor">
+            <a:schemeClr val="lt1"/>
+          </a:fontRef>
+        </p:style>
+        <p:txBody>
+          <a:bodyPr lIns="0" tIns="0" rIns="0" bIns="0" rtlCol="0" anchor="ctr"/>
+          <a:lstStyle/>
+          <a:p>
+            <a:pPr algn="ctr"/>
+            <a:r>
+              <a:rPr lang="de-DE" sz="1200" b="1" dirty="0" err="1">
+                <a:solidFill>
+                  <a:srgbClr val="A1A1A1"/>
+                </a:solidFill>
+                <a:latin typeface="Roboto Condensed" panose="02000000000000000000" pitchFamily="2" charset="0"/>
+                <a:ea typeface="Roboto Condensed" panose="02000000000000000000" pitchFamily="2" charset="0"/>
+              </a:rPr>
+              <a:t>Misanchuk</a:t>
+            </a:r>
+            <a:endParaRPr lang="de-DE" sz="1200" b="1" dirty="0">
+              <a:solidFill>
+                <a:srgbClr val="A1A1A1"/>
+              </a:solidFill>
+              <a:latin typeface="Roboto Condensed" panose="02000000000000000000" pitchFamily="2" charset="0"/>
+              <a:ea typeface="Roboto Condensed" panose="02000000000000000000" pitchFamily="2" charset="0"/>
+            </a:endParaRPr>
+          </a:p>
+        </p:txBody>
+      </p:sp>
+      <p:cxnSp>
+        <p:nvCxnSpPr>
+          <p:cNvPr id="25" name="Gerade Verbindung 24">
+            <a:extLst>
+              <a:ext uri="{FF2B5EF4-FFF2-40B4-BE49-F238E27FC236}">
+                <a16:creationId xmlns:a16="http://schemas.microsoft.com/office/drawing/2014/main" id="{B8BFFCC9-F32C-7B7A-2C1E-2224C48BCB52}"/>
+              </a:ext>
+            </a:extLst>
+          </p:cNvPr>
+          <p:cNvCxnSpPr>
+            <a:cxnSpLocks/>
+          </p:cNvCxnSpPr>
+          <p:nvPr/>
+        </p:nvCxnSpPr>
+        <p:spPr>
+          <a:xfrm flipV="1">
+            <a:off x="4118822" y="3165434"/>
+            <a:ext cx="0" cy="379017"/>
+          </a:xfrm>
+          <a:prstGeom prst="line">
+            <a:avLst/>
+          </a:prstGeom>
+          <a:ln w="31750">
+            <a:solidFill>
+              <a:srgbClr val="A1A1A1"/>
+            </a:solidFill>
+          </a:ln>
+        </p:spPr>
+        <p:style>
+          <a:lnRef idx="1">
+            <a:schemeClr val="accent1"/>
+          </a:lnRef>
+          <a:fillRef idx="0">
+            <a:schemeClr val="accent1"/>
+          </a:fillRef>
+          <a:effectRef idx="0">
+            <a:schemeClr val="accent1"/>
+          </a:effectRef>
+          <a:fontRef idx="minor">
+            <a:schemeClr val="tx1"/>
+          </a:fontRef>
+        </p:style>
+      </p:cxnSp>
+      <p:sp>
+        <p:nvSpPr>
+          <p:cNvPr id="27" name="Abgerundetes Rechteck 26">
+            <a:extLst>
+              <a:ext uri="{FF2B5EF4-FFF2-40B4-BE49-F238E27FC236}">
+                <a16:creationId xmlns:a16="http://schemas.microsoft.com/office/drawing/2014/main" id="{57A9FC7C-D6E1-D82B-04A3-3F19D468DF45}"/>
+              </a:ext>
+            </a:extLst>
+          </p:cNvPr>
+          <p:cNvSpPr/>
+          <p:nvPr/>
+        </p:nvSpPr>
+        <p:spPr>
+          <a:xfrm>
+            <a:off x="3831130" y="3541373"/>
+            <a:ext cx="565478" cy="235265"/>
+          </a:xfrm>
+          <a:prstGeom prst="roundRect">
+            <a:avLst/>
+          </a:prstGeom>
+          <a:noFill/>
+          <a:ln>
+            <a:solidFill>
+              <a:srgbClr val="A1A1A1"/>
+            </a:solidFill>
+          </a:ln>
+        </p:spPr>
+        <p:style>
+          <a:lnRef idx="2">
+            <a:schemeClr val="accent1">
+              <a:shade val="50000"/>
+            </a:schemeClr>
+          </a:lnRef>
+          <a:fillRef idx="1">
+            <a:schemeClr val="accent1"/>
+          </a:fillRef>
+          <a:effectRef idx="0">
+            <a:schemeClr val="accent1"/>
+          </a:effectRef>
+          <a:fontRef idx="minor">
+            <a:schemeClr val="lt1"/>
+          </a:fontRef>
+        </p:style>
+        <p:txBody>
+          <a:bodyPr lIns="0" tIns="0" rIns="0" bIns="0" rtlCol="0" anchor="ctr"/>
+          <a:lstStyle/>
+          <a:p>
+            <a:pPr algn="ctr"/>
+            <a:r>
+              <a:rPr lang="de-DE" sz="1200" b="1" dirty="0" err="1">
+                <a:solidFill>
+                  <a:srgbClr val="A1A1A1"/>
+                </a:solidFill>
+                <a:latin typeface="Roboto Condensed" panose="02000000000000000000" pitchFamily="2" charset="0"/>
+                <a:ea typeface="Roboto Condensed" panose="02000000000000000000" pitchFamily="2" charset="0"/>
+              </a:rPr>
+              <a:t>Deno</a:t>
+            </a:r>
+            <a:endParaRPr lang="de-DE" sz="1200" b="1" dirty="0">
+              <a:solidFill>
+                <a:srgbClr val="A1A1A1"/>
+              </a:solidFill>
+              <a:latin typeface="Roboto Condensed" panose="02000000000000000000" pitchFamily="2" charset="0"/>
+              <a:ea typeface="Roboto Condensed" panose="02000000000000000000" pitchFamily="2" charset="0"/>
+            </a:endParaRPr>
+          </a:p>
+        </p:txBody>
+      </p:sp>
+      <p:cxnSp>
+        <p:nvCxnSpPr>
           <p:cNvPr id="22" name="Gerade Verbindung 21">
             <a:extLst>
               <a:ext uri="{FF2B5EF4-FFF2-40B4-BE49-F238E27FC236}">
-                <a16:creationId xmlns:a16="http://schemas.microsoft.com/office/drawing/2014/main" id="{7A2969B0-8A26-DEAA-76F9-B189C2F2198C}"/>
+                <a16:creationId xmlns:a16="http://schemas.microsoft.com/office/drawing/2014/main" id="{DD621DE4-7D09-38EA-6FD7-A721CCD39A85}"/>
               </a:ext>
             </a:extLst>
           </p:cNvPr>
@@ -16395,7 +17416,7 @@
           <p:cNvPr id="23" name="Textfeld 22">
             <a:extLst>
               <a:ext uri="{FF2B5EF4-FFF2-40B4-BE49-F238E27FC236}">
-                <a16:creationId xmlns:a16="http://schemas.microsoft.com/office/drawing/2014/main" id="{3E71919F-9A33-ABB4-30D3-3C911FBF4CA9}"/>
+                <a16:creationId xmlns:a16="http://schemas.microsoft.com/office/drawing/2014/main" id="{79C1A13D-3CD0-391D-AD6B-4F70081AE7A9}"/>
               </a:ext>
             </a:extLst>
           </p:cNvPr>
@@ -16440,7 +17461,7 @@
           <p:cNvPr id="24" name="Abgerundetes Rechteck 23">
             <a:extLst>
               <a:ext uri="{FF2B5EF4-FFF2-40B4-BE49-F238E27FC236}">
-                <a16:creationId xmlns:a16="http://schemas.microsoft.com/office/drawing/2014/main" id="{271B58B2-CBD4-8AE7-F3E4-1E31214ED144}"/>
+                <a16:creationId xmlns:a16="http://schemas.microsoft.com/office/drawing/2014/main" id="{BC210AA4-A3DB-6414-1292-B3ED72918FCE}"/>
               </a:ext>
             </a:extLst>
           </p:cNvPr>
@@ -16518,7 +17539,7 @@
           <p:cNvPr id="28" name="Gerade Verbindung 27">
             <a:extLst>
               <a:ext uri="{FF2B5EF4-FFF2-40B4-BE49-F238E27FC236}">
-                <a16:creationId xmlns:a16="http://schemas.microsoft.com/office/drawing/2014/main" id="{6F643875-807D-C48E-4B73-E8CA90A6C43E}"/>
+                <a16:creationId xmlns:a16="http://schemas.microsoft.com/office/drawing/2014/main" id="{9AC2B7AA-0A1F-B1C4-11FB-F5F013181796}"/>
               </a:ext>
             </a:extLst>
           </p:cNvPr>
@@ -16562,7 +17583,7 @@
           <p:cNvPr id="29" name="Textfeld 28">
             <a:extLst>
               <a:ext uri="{FF2B5EF4-FFF2-40B4-BE49-F238E27FC236}">
-                <a16:creationId xmlns:a16="http://schemas.microsoft.com/office/drawing/2014/main" id="{A1E7C99E-E3A2-6AFF-2A0A-94A85F7351DC}"/>
+                <a16:creationId xmlns:a16="http://schemas.microsoft.com/office/drawing/2014/main" id="{73BD5D11-BD82-64EE-E848-FF05DECC28DF}"/>
               </a:ext>
             </a:extLst>
           </p:cNvPr>
@@ -16607,7 +17628,7 @@
           <p:cNvPr id="30" name="Abgerundetes Rechteck 29">
             <a:extLst>
               <a:ext uri="{FF2B5EF4-FFF2-40B4-BE49-F238E27FC236}">
-                <a16:creationId xmlns:a16="http://schemas.microsoft.com/office/drawing/2014/main" id="{44ECB833-A0CA-217F-4854-E80D3C3BECF6}"/>
+                <a16:creationId xmlns:a16="http://schemas.microsoft.com/office/drawing/2014/main" id="{C72CA657-96DE-6E63-0BFC-1063A6A89DAF}"/>
               </a:ext>
             </a:extLst>
           </p:cNvPr>
@@ -16668,7 +17689,7 @@
           <p:cNvPr id="6" name="Gerade Verbindung 5">
             <a:extLst>
               <a:ext uri="{FF2B5EF4-FFF2-40B4-BE49-F238E27FC236}">
-                <a16:creationId xmlns:a16="http://schemas.microsoft.com/office/drawing/2014/main" id="{172B4376-980B-0A49-D926-F6AB68DB2BF0}"/>
+                <a16:creationId xmlns:a16="http://schemas.microsoft.com/office/drawing/2014/main" id="{68A0FF47-C346-9C69-C697-533497B45B08}"/>
               </a:ext>
             </a:extLst>
           </p:cNvPr>
@@ -16711,7 +17732,7 @@
           <p:cNvPr id="10" name="Textfeld 9">
             <a:extLst>
               <a:ext uri="{FF2B5EF4-FFF2-40B4-BE49-F238E27FC236}">
-                <a16:creationId xmlns:a16="http://schemas.microsoft.com/office/drawing/2014/main" id="{0A4FD84F-45F9-055E-6178-53108B646DB4}"/>
+                <a16:creationId xmlns:a16="http://schemas.microsoft.com/office/drawing/2014/main" id="{17CF0570-4375-A861-FC7D-745A62BCB681}"/>
               </a:ext>
             </a:extLst>
           </p:cNvPr>
@@ -16756,7 +17777,7 @@
           <p:cNvPr id="12" name="Gerade Verbindung 11">
             <a:extLst>
               <a:ext uri="{FF2B5EF4-FFF2-40B4-BE49-F238E27FC236}">
-                <a16:creationId xmlns:a16="http://schemas.microsoft.com/office/drawing/2014/main" id="{E3EDBFD4-48BC-4B6A-F1D3-285786E3685F}"/>
+                <a16:creationId xmlns:a16="http://schemas.microsoft.com/office/drawing/2014/main" id="{438600C3-1B1C-D806-FB77-A031A33BB888}"/>
               </a:ext>
             </a:extLst>
           </p:cNvPr>
@@ -16800,7 +17821,7 @@
           <p:cNvPr id="13" name="Textfeld 12">
             <a:extLst>
               <a:ext uri="{FF2B5EF4-FFF2-40B4-BE49-F238E27FC236}">
-                <a16:creationId xmlns:a16="http://schemas.microsoft.com/office/drawing/2014/main" id="{17990831-F3C1-E089-AF81-A905AF13CAFF}"/>
+                <a16:creationId xmlns:a16="http://schemas.microsoft.com/office/drawing/2014/main" id="{C8AA9BA7-EC6A-5A1B-3FAA-A24564CD078F}"/>
               </a:ext>
             </a:extLst>
           </p:cNvPr>
@@ -16845,7 +17866,7 @@
           <p:cNvPr id="14" name="Abgerundetes Rechteck 13">
             <a:extLst>
               <a:ext uri="{FF2B5EF4-FFF2-40B4-BE49-F238E27FC236}">
-                <a16:creationId xmlns:a16="http://schemas.microsoft.com/office/drawing/2014/main" id="{A0CAE297-212F-7F85-0B9C-5BDD1EB30C9F}"/>
+                <a16:creationId xmlns:a16="http://schemas.microsoft.com/office/drawing/2014/main" id="{7B31C688-D5FD-C051-0B9C-6F60DD6663D8}"/>
               </a:ext>
             </a:extLst>
           </p:cNvPr>
@@ -16906,7 +17927,7 @@
           <p:cNvPr id="15" name="Abgerundetes Rechteck 14">
             <a:extLst>
               <a:ext uri="{FF2B5EF4-FFF2-40B4-BE49-F238E27FC236}">
-                <a16:creationId xmlns:a16="http://schemas.microsoft.com/office/drawing/2014/main" id="{E6BAB88A-5728-E284-4207-7B2B900B14F5}"/>
+                <a16:creationId xmlns:a16="http://schemas.microsoft.com/office/drawing/2014/main" id="{71582CD0-6B74-9E4E-EDB4-202EE5DE0338}"/>
               </a:ext>
             </a:extLst>
           </p:cNvPr>
@@ -16974,6 +17995,1105 @@
           <p:cNvPr id="2" name="Gerade Verbindung 1">
             <a:extLst>
               <a:ext uri="{FF2B5EF4-FFF2-40B4-BE49-F238E27FC236}">
+                <a16:creationId xmlns:a16="http://schemas.microsoft.com/office/drawing/2014/main" id="{2F93CEF8-3BA0-FD86-EAFB-9A5EC71846AD}"/>
+              </a:ext>
+            </a:extLst>
+          </p:cNvPr>
+          <p:cNvCxnSpPr>
+            <a:cxnSpLocks/>
+            <a:endCxn id="5" idx="2"/>
+          </p:cNvCxnSpPr>
+          <p:nvPr/>
+        </p:nvCxnSpPr>
+        <p:spPr>
+          <a:xfrm flipV="1">
+            <a:off x="1226431" y="2703725"/>
+            <a:ext cx="0" cy="453028"/>
+          </a:xfrm>
+          <a:prstGeom prst="line">
+            <a:avLst/>
+          </a:prstGeom>
+          <a:ln w="31750">
+            <a:solidFill>
+              <a:srgbClr val="A1A1A1"/>
+            </a:solidFill>
+          </a:ln>
+        </p:spPr>
+        <p:style>
+          <a:lnRef idx="1">
+            <a:schemeClr val="accent1"/>
+          </a:lnRef>
+          <a:fillRef idx="0">
+            <a:schemeClr val="accent1"/>
+          </a:fillRef>
+          <a:effectRef idx="0">
+            <a:schemeClr val="accent1"/>
+          </a:effectRef>
+          <a:fontRef idx="minor">
+            <a:schemeClr val="tx1"/>
+          </a:fontRef>
+        </p:style>
+      </p:cxnSp>
+      <p:sp>
+        <p:nvSpPr>
+          <p:cNvPr id="4" name="Textfeld 3">
+            <a:extLst>
+              <a:ext uri="{FF2B5EF4-FFF2-40B4-BE49-F238E27FC236}">
+                <a16:creationId xmlns:a16="http://schemas.microsoft.com/office/drawing/2014/main" id="{A67F10E9-5EB8-6E6C-1F50-566C13FBE9C2}"/>
+              </a:ext>
+            </a:extLst>
+          </p:cNvPr>
+          <p:cNvSpPr txBox="1"/>
+          <p:nvPr/>
+        </p:nvSpPr>
+        <p:spPr>
+          <a:xfrm>
+            <a:off x="951894" y="3221136"/>
+            <a:ext cx="525217" cy="161583"/>
+          </a:xfrm>
+          <a:prstGeom prst="rect">
+            <a:avLst/>
+          </a:prstGeom>
+          <a:noFill/>
+          <a:ln>
+            <a:noFill/>
+          </a:ln>
+        </p:spPr>
+        <p:txBody>
+          <a:bodyPr wrap="square" lIns="0" tIns="0" rIns="0" bIns="0" rtlCol="0">
+            <a:spAutoFit/>
+          </a:bodyPr>
+          <a:lstStyle/>
+          <a:p>
+            <a:pPr algn="ctr"/>
+            <a:r>
+              <a:rPr lang="de-DE" sz="1050" b="1" dirty="0">
+                <a:solidFill>
+                  <a:srgbClr val="A1A1A1"/>
+                </a:solidFill>
+                <a:latin typeface="Roboto Condensed" panose="02000000000000000000" pitchFamily="2" charset="0"/>
+                <a:ea typeface="Roboto Condensed" panose="02000000000000000000" pitchFamily="2" charset="0"/>
+              </a:rPr>
+              <a:t>1964</a:t>
+            </a:r>
+          </a:p>
+        </p:txBody>
+      </p:sp>
+      <p:sp>
+        <p:nvSpPr>
+          <p:cNvPr id="5" name="Abgerundetes Rechteck 4">
+            <a:extLst>
+              <a:ext uri="{FF2B5EF4-FFF2-40B4-BE49-F238E27FC236}">
+                <a16:creationId xmlns:a16="http://schemas.microsoft.com/office/drawing/2014/main" id="{46FD7E6E-9528-B0F9-B708-1FD330958F58}"/>
+              </a:ext>
+            </a:extLst>
+          </p:cNvPr>
+          <p:cNvSpPr/>
+          <p:nvPr/>
+        </p:nvSpPr>
+        <p:spPr>
+          <a:xfrm>
+            <a:off x="827274" y="2445715"/>
+            <a:ext cx="798314" cy="258010"/>
+          </a:xfrm>
+          <a:prstGeom prst="roundRect">
+            <a:avLst/>
+          </a:prstGeom>
+          <a:noFill/>
+          <a:ln>
+            <a:solidFill>
+              <a:srgbClr val="A1A1A1"/>
+            </a:solidFill>
+          </a:ln>
+        </p:spPr>
+        <p:style>
+          <a:lnRef idx="2">
+            <a:schemeClr val="accent1">
+              <a:shade val="50000"/>
+            </a:schemeClr>
+          </a:lnRef>
+          <a:fillRef idx="1">
+            <a:schemeClr val="accent1"/>
+          </a:fillRef>
+          <a:effectRef idx="0">
+            <a:schemeClr val="accent1"/>
+          </a:effectRef>
+          <a:fontRef idx="minor">
+            <a:schemeClr val="lt1"/>
+          </a:fontRef>
+        </p:style>
+        <p:txBody>
+          <a:bodyPr lIns="0" tIns="0" rIns="0" bIns="0" rtlCol="0" anchor="ctr"/>
+          <a:lstStyle/>
+          <a:p>
+            <a:pPr algn="ctr"/>
+            <a:r>
+              <a:rPr lang="de-DE" sz="1200" b="1" dirty="0">
+                <a:solidFill>
+                  <a:srgbClr val="A1A1A1"/>
+                </a:solidFill>
+                <a:latin typeface="Roboto Condensed" panose="02000000000000000000" pitchFamily="2" charset="0"/>
+                <a:ea typeface="Roboto Condensed" panose="02000000000000000000" pitchFamily="2" charset="0"/>
+              </a:rPr>
+              <a:t>Cronbach</a:t>
+            </a:r>
+          </a:p>
+        </p:txBody>
+      </p:sp>
+      <p:cxnSp>
+        <p:nvCxnSpPr>
+          <p:cNvPr id="3" name="Gerade Verbindung mit Pfeil 2">
+            <a:extLst>
+              <a:ext uri="{FF2B5EF4-FFF2-40B4-BE49-F238E27FC236}">
+                <a16:creationId xmlns:a16="http://schemas.microsoft.com/office/drawing/2014/main" id="{8564D781-883C-EA5B-90CB-CAB1E2499023}"/>
+              </a:ext>
+            </a:extLst>
+          </p:cNvPr>
+          <p:cNvCxnSpPr/>
+          <p:nvPr/>
+        </p:nvCxnSpPr>
+        <p:spPr>
+          <a:xfrm>
+            <a:off x="747891" y="3165721"/>
+            <a:ext cx="8393102" cy="0"/>
+          </a:xfrm>
+          <a:prstGeom prst="straightConnector1">
+            <a:avLst/>
+          </a:prstGeom>
+          <a:ln w="76200">
+            <a:solidFill>
+              <a:srgbClr val="267326"/>
+            </a:solidFill>
+            <a:tailEnd type="triangle"/>
+          </a:ln>
+        </p:spPr>
+        <p:style>
+          <a:lnRef idx="1">
+            <a:schemeClr val="accent1"/>
+          </a:lnRef>
+          <a:fillRef idx="0">
+            <a:schemeClr val="accent1"/>
+          </a:fillRef>
+          <a:effectRef idx="0">
+            <a:schemeClr val="accent1"/>
+          </a:effectRef>
+          <a:fontRef idx="minor">
+            <a:schemeClr val="tx1"/>
+          </a:fontRef>
+        </p:style>
+      </p:cxnSp>
+      <p:cxnSp>
+        <p:nvCxnSpPr>
+          <p:cNvPr id="16" name="Gerade Verbindung 15">
+            <a:extLst>
+              <a:ext uri="{FF2B5EF4-FFF2-40B4-BE49-F238E27FC236}">
+                <a16:creationId xmlns:a16="http://schemas.microsoft.com/office/drawing/2014/main" id="{CB4BD1D2-6FDB-094D-5580-B9EE5597E8F2}"/>
+              </a:ext>
+            </a:extLst>
+          </p:cNvPr>
+          <p:cNvCxnSpPr>
+            <a:cxnSpLocks/>
+            <a:endCxn id="18" idx="2"/>
+          </p:cNvCxnSpPr>
+          <p:nvPr/>
+        </p:nvCxnSpPr>
+        <p:spPr>
+          <a:xfrm flipV="1">
+            <a:off x="6191674" y="2808666"/>
+            <a:ext cx="0" cy="357055"/>
+          </a:xfrm>
+          <a:prstGeom prst="line">
+            <a:avLst/>
+          </a:prstGeom>
+          <a:ln w="31750">
+            <a:solidFill>
+              <a:srgbClr val="267326"/>
+            </a:solidFill>
+          </a:ln>
+        </p:spPr>
+        <p:style>
+          <a:lnRef idx="1">
+            <a:schemeClr val="accent1"/>
+          </a:lnRef>
+          <a:fillRef idx="0">
+            <a:schemeClr val="accent1"/>
+          </a:fillRef>
+          <a:effectRef idx="0">
+            <a:schemeClr val="accent1"/>
+          </a:effectRef>
+          <a:fontRef idx="minor">
+            <a:schemeClr val="tx1"/>
+          </a:fontRef>
+        </p:style>
+      </p:cxnSp>
+      <p:sp>
+        <p:nvSpPr>
+          <p:cNvPr id="17" name="Textfeld 16">
+            <a:extLst>
+              <a:ext uri="{FF2B5EF4-FFF2-40B4-BE49-F238E27FC236}">
+                <a16:creationId xmlns:a16="http://schemas.microsoft.com/office/drawing/2014/main" id="{CECAE99C-1DB0-2FB0-EBFE-19F7C30BE177}"/>
+              </a:ext>
+            </a:extLst>
+          </p:cNvPr>
+          <p:cNvSpPr txBox="1"/>
+          <p:nvPr/>
+        </p:nvSpPr>
+        <p:spPr>
+          <a:xfrm>
+            <a:off x="5929065" y="3221136"/>
+            <a:ext cx="525217" cy="161583"/>
+          </a:xfrm>
+          <a:prstGeom prst="rect">
+            <a:avLst/>
+          </a:prstGeom>
+          <a:noFill/>
+          <a:ln>
+            <a:noFill/>
+          </a:ln>
+        </p:spPr>
+        <p:txBody>
+          <a:bodyPr wrap="square" lIns="0" tIns="0" rIns="0" bIns="0" rtlCol="0">
+            <a:spAutoFit/>
+          </a:bodyPr>
+          <a:lstStyle/>
+          <a:p>
+            <a:pPr algn="ctr"/>
+            <a:r>
+              <a:rPr lang="de-DE" sz="1050" b="1" dirty="0">
+                <a:solidFill>
+                  <a:srgbClr val="267326"/>
+                </a:solidFill>
+                <a:latin typeface="Roboto Condensed" panose="02000000000000000000" pitchFamily="2" charset="0"/>
+                <a:ea typeface="Roboto Condensed" panose="02000000000000000000" pitchFamily="2" charset="0"/>
+              </a:rPr>
+              <a:t>1998</a:t>
+            </a:r>
+          </a:p>
+        </p:txBody>
+      </p:sp>
+      <p:sp>
+        <p:nvSpPr>
+          <p:cNvPr id="18" name="Abgerundetes Rechteck 17">
+            <a:extLst>
+              <a:ext uri="{FF2B5EF4-FFF2-40B4-BE49-F238E27FC236}">
+                <a16:creationId xmlns:a16="http://schemas.microsoft.com/office/drawing/2014/main" id="{03260249-89FF-43BB-D339-C613864B4794}"/>
+              </a:ext>
+            </a:extLst>
+          </p:cNvPr>
+          <p:cNvSpPr/>
+          <p:nvPr/>
+        </p:nvSpPr>
+        <p:spPr>
+          <a:xfrm>
+            <a:off x="5652991" y="2547595"/>
+            <a:ext cx="1077366" cy="261071"/>
+          </a:xfrm>
+          <a:prstGeom prst="roundRect">
+            <a:avLst/>
+          </a:prstGeom>
+          <a:noFill/>
+          <a:ln>
+            <a:solidFill>
+              <a:srgbClr val="267326"/>
+            </a:solidFill>
+          </a:ln>
+        </p:spPr>
+        <p:style>
+          <a:lnRef idx="2">
+            <a:schemeClr val="accent1">
+              <a:shade val="50000"/>
+            </a:schemeClr>
+          </a:lnRef>
+          <a:fillRef idx="1">
+            <a:schemeClr val="accent1"/>
+          </a:fillRef>
+          <a:effectRef idx="0">
+            <a:schemeClr val="accent1"/>
+          </a:effectRef>
+          <a:fontRef idx="minor">
+            <a:schemeClr val="lt1"/>
+          </a:fontRef>
+        </p:style>
+        <p:txBody>
+          <a:bodyPr lIns="0" tIns="0" rIns="0" bIns="0" rtlCol="0" anchor="ctr"/>
+          <a:lstStyle/>
+          <a:p>
+            <a:pPr algn="ctr"/>
+            <a:r>
+              <a:rPr lang="de-DE" sz="1200" b="1" dirty="0">
+                <a:solidFill>
+                  <a:srgbClr val="267326"/>
+                </a:solidFill>
+                <a:latin typeface="Roboto Condensed" panose="02000000000000000000" pitchFamily="2" charset="0"/>
+                <a:ea typeface="Roboto Condensed" panose="02000000000000000000" pitchFamily="2" charset="0"/>
+              </a:rPr>
+              <a:t>Black &amp; William</a:t>
+            </a:r>
+          </a:p>
+        </p:txBody>
+      </p:sp>
+      <p:sp>
+        <p:nvSpPr>
+          <p:cNvPr id="20" name="Textfeld 19">
+            <a:extLst>
+              <a:ext uri="{FF2B5EF4-FFF2-40B4-BE49-F238E27FC236}">
+                <a16:creationId xmlns:a16="http://schemas.microsoft.com/office/drawing/2014/main" id="{46DE0B84-2763-691A-B1EB-A8999E470F3B}"/>
+              </a:ext>
+            </a:extLst>
+          </p:cNvPr>
+          <p:cNvSpPr txBox="1"/>
+          <p:nvPr/>
+        </p:nvSpPr>
+        <p:spPr>
+          <a:xfrm>
+            <a:off x="3067692" y="3221136"/>
+            <a:ext cx="525217" cy="161583"/>
+          </a:xfrm>
+          <a:prstGeom prst="rect">
+            <a:avLst/>
+          </a:prstGeom>
+          <a:noFill/>
+          <a:ln>
+            <a:noFill/>
+          </a:ln>
+        </p:spPr>
+        <p:txBody>
+          <a:bodyPr wrap="square" lIns="0" tIns="0" rIns="0" bIns="0" rtlCol="0">
+            <a:spAutoFit/>
+          </a:bodyPr>
+          <a:lstStyle/>
+          <a:p>
+            <a:pPr algn="ctr"/>
+            <a:r>
+              <a:rPr lang="de-DE" sz="1050" b="1" dirty="0">
+                <a:solidFill>
+                  <a:srgbClr val="A1A1A1"/>
+                </a:solidFill>
+                <a:latin typeface="Roboto Condensed" panose="02000000000000000000" pitchFamily="2" charset="0"/>
+                <a:ea typeface="Roboto Condensed" panose="02000000000000000000" pitchFamily="2" charset="0"/>
+              </a:rPr>
+              <a:t>1978</a:t>
+            </a:r>
+          </a:p>
+        </p:txBody>
+      </p:sp>
+      <p:sp>
+        <p:nvSpPr>
+          <p:cNvPr id="26" name="Textfeld 25">
+            <a:extLst>
+              <a:ext uri="{FF2B5EF4-FFF2-40B4-BE49-F238E27FC236}">
+                <a16:creationId xmlns:a16="http://schemas.microsoft.com/office/drawing/2014/main" id="{9448E453-F0A3-F09F-573E-F0461C1C6A2A}"/>
+              </a:ext>
+            </a:extLst>
+          </p:cNvPr>
+          <p:cNvSpPr txBox="1"/>
+          <p:nvPr/>
+        </p:nvSpPr>
+        <p:spPr>
+          <a:xfrm>
+            <a:off x="3856213" y="2947887"/>
+            <a:ext cx="525217" cy="161583"/>
+          </a:xfrm>
+          <a:prstGeom prst="rect">
+            <a:avLst/>
+          </a:prstGeom>
+          <a:noFill/>
+          <a:ln>
+            <a:noFill/>
+          </a:ln>
+        </p:spPr>
+        <p:txBody>
+          <a:bodyPr wrap="square" lIns="0" tIns="0" rIns="0" bIns="0" rtlCol="0">
+            <a:spAutoFit/>
+          </a:bodyPr>
+          <a:lstStyle/>
+          <a:p>
+            <a:pPr algn="ctr"/>
+            <a:r>
+              <a:rPr lang="de-DE" sz="1050" b="1" dirty="0">
+                <a:solidFill>
+                  <a:srgbClr val="A1A1A1"/>
+                </a:solidFill>
+                <a:latin typeface="Roboto Condensed" panose="02000000000000000000" pitchFamily="2" charset="0"/>
+                <a:ea typeface="Roboto Condensed" panose="02000000000000000000" pitchFamily="2" charset="0"/>
+              </a:rPr>
+              <a:t>1985</a:t>
+            </a:r>
+          </a:p>
+        </p:txBody>
+      </p:sp>
+    </p:spTree>
+    <p:extLst>
+      <p:ext uri="{BB962C8B-B14F-4D97-AF65-F5344CB8AC3E}">
+        <p14:creationId xmlns:p14="http://schemas.microsoft.com/office/powerpoint/2010/main" val="3711918172"/>
+      </p:ext>
+    </p:extLst>
+  </p:cSld>
+  <p:clrMapOvr>
+    <a:masterClrMapping/>
+  </p:clrMapOvr>
+</p:sld>
+</file>
+
+<file path=ppt/slides/slide5.xml><?xml version="1.0" encoding="utf-8"?>
+<p:sld xmlns:a="http://schemas.openxmlformats.org/drawingml/2006/main" xmlns:r="http://schemas.openxmlformats.org/officeDocument/2006/relationships" xmlns:p="http://schemas.openxmlformats.org/presentationml/2006/main">
+  <p:cSld>
+    <p:bg>
+      <p:bgPr>
+        <a:solidFill>
+          <a:srgbClr val="F2F2F2"/>
+        </a:solidFill>
+        <a:effectLst/>
+      </p:bgPr>
+    </p:bg>
+    <p:spTree>
+      <p:nvGrpSpPr>
+        <p:cNvPr id="1" name="Shape 284">
+          <a:extLst>
+            <a:ext uri="{FF2B5EF4-FFF2-40B4-BE49-F238E27FC236}">
+              <a16:creationId xmlns:a16="http://schemas.microsoft.com/office/drawing/2014/main" id="{CC6F8101-A839-FC49-7DE5-45B941494932}"/>
+            </a:ext>
+          </a:extLst>
+        </p:cNvPr>
+        <p:cNvGrpSpPr/>
+        <p:nvPr/>
+      </p:nvGrpSpPr>
+      <p:grpSpPr>
+        <a:xfrm>
+          <a:off x="0" y="0"/>
+          <a:ext cx="0" cy="0"/>
+          <a:chOff x="0" y="0"/>
+          <a:chExt cx="0" cy="0"/>
+        </a:xfrm>
+      </p:grpSpPr>
+      <p:cxnSp>
+        <p:nvCxnSpPr>
+          <p:cNvPr id="22" name="Gerade Verbindung 21">
+            <a:extLst>
+              <a:ext uri="{FF2B5EF4-FFF2-40B4-BE49-F238E27FC236}">
+                <a16:creationId xmlns:a16="http://schemas.microsoft.com/office/drawing/2014/main" id="{7A2969B0-8A26-DEAA-76F9-B189C2F2198C}"/>
+              </a:ext>
+            </a:extLst>
+          </p:cNvPr>
+          <p:cNvCxnSpPr>
+            <a:cxnSpLocks/>
+            <a:stCxn id="24" idx="0"/>
+          </p:cNvCxnSpPr>
+          <p:nvPr/>
+        </p:nvCxnSpPr>
+        <p:spPr>
+          <a:xfrm flipV="1">
+            <a:off x="7725823" y="3165435"/>
+            <a:ext cx="0" cy="365708"/>
+          </a:xfrm>
+          <a:prstGeom prst="line">
+            <a:avLst/>
+          </a:prstGeom>
+          <a:ln w="31750">
+            <a:solidFill>
+              <a:srgbClr val="A1A1A1"/>
+            </a:solidFill>
+          </a:ln>
+        </p:spPr>
+        <p:style>
+          <a:lnRef idx="1">
+            <a:schemeClr val="accent1"/>
+          </a:lnRef>
+          <a:fillRef idx="0">
+            <a:schemeClr val="accent1"/>
+          </a:fillRef>
+          <a:effectRef idx="0">
+            <a:schemeClr val="accent1"/>
+          </a:effectRef>
+          <a:fontRef idx="minor">
+            <a:schemeClr val="tx1"/>
+          </a:fontRef>
+        </p:style>
+      </p:cxnSp>
+      <p:sp>
+        <p:nvSpPr>
+          <p:cNvPr id="23" name="Textfeld 22">
+            <a:extLst>
+              <a:ext uri="{FF2B5EF4-FFF2-40B4-BE49-F238E27FC236}">
+                <a16:creationId xmlns:a16="http://schemas.microsoft.com/office/drawing/2014/main" id="{3E71919F-9A33-ABB4-30D3-3C911FBF4CA9}"/>
+              </a:ext>
+            </a:extLst>
+          </p:cNvPr>
+          <p:cNvSpPr txBox="1"/>
+          <p:nvPr/>
+        </p:nvSpPr>
+        <p:spPr>
+          <a:xfrm>
+            <a:off x="7463215" y="2947887"/>
+            <a:ext cx="525217" cy="161583"/>
+          </a:xfrm>
+          <a:prstGeom prst="rect">
+            <a:avLst/>
+          </a:prstGeom>
+          <a:noFill/>
+          <a:ln>
+            <a:noFill/>
+          </a:ln>
+        </p:spPr>
+        <p:txBody>
+          <a:bodyPr wrap="square" lIns="0" tIns="0" rIns="0" bIns="0" rtlCol="0">
+            <a:spAutoFit/>
+          </a:bodyPr>
+          <a:lstStyle/>
+          <a:p>
+            <a:pPr algn="ctr"/>
+            <a:r>
+              <a:rPr lang="de-DE" sz="1050" b="1" dirty="0">
+                <a:solidFill>
+                  <a:srgbClr val="A1A1A1"/>
+                </a:solidFill>
+                <a:latin typeface="Roboto Condensed" panose="02000000000000000000" pitchFamily="2" charset="0"/>
+                <a:ea typeface="Roboto Condensed" panose="02000000000000000000" pitchFamily="2" charset="0"/>
+              </a:rPr>
+              <a:t>2009</a:t>
+            </a:r>
+          </a:p>
+        </p:txBody>
+      </p:sp>
+      <p:sp>
+        <p:nvSpPr>
+          <p:cNvPr id="24" name="Abgerundetes Rechteck 23">
+            <a:extLst>
+              <a:ext uri="{FF2B5EF4-FFF2-40B4-BE49-F238E27FC236}">
+                <a16:creationId xmlns:a16="http://schemas.microsoft.com/office/drawing/2014/main" id="{271B58B2-CBD4-8AE7-F3E4-1E31214ED144}"/>
+              </a:ext>
+            </a:extLst>
+          </p:cNvPr>
+          <p:cNvSpPr/>
+          <p:nvPr/>
+        </p:nvSpPr>
+        <p:spPr>
+          <a:xfrm>
+            <a:off x="7105455" y="3531143"/>
+            <a:ext cx="1240735" cy="329202"/>
+          </a:xfrm>
+          <a:prstGeom prst="roundRect">
+            <a:avLst/>
+          </a:prstGeom>
+          <a:noFill/>
+          <a:ln>
+            <a:solidFill>
+              <a:srgbClr val="A1A1A1"/>
+            </a:solidFill>
+          </a:ln>
+        </p:spPr>
+        <p:style>
+          <a:lnRef idx="2">
+            <a:schemeClr val="accent1">
+              <a:shade val="50000"/>
+            </a:schemeClr>
+          </a:lnRef>
+          <a:fillRef idx="1">
+            <a:schemeClr val="accent1"/>
+          </a:fillRef>
+          <a:effectRef idx="0">
+            <a:schemeClr val="accent1"/>
+          </a:effectRef>
+          <a:fontRef idx="minor">
+            <a:schemeClr val="lt1"/>
+          </a:fontRef>
+        </p:style>
+        <p:txBody>
+          <a:bodyPr lIns="0" tIns="0" rIns="0" bIns="0" rtlCol="0" anchor="ctr"/>
+          <a:lstStyle/>
+          <a:p>
+            <a:pPr algn="ctr"/>
+            <a:r>
+              <a:rPr lang="de-DE" sz="1200" b="1" dirty="0">
+                <a:solidFill>
+                  <a:srgbClr val="A1A1A1"/>
+                </a:solidFill>
+                <a:latin typeface="Roboto Condensed" panose="02000000000000000000" pitchFamily="2" charset="0"/>
+                <a:ea typeface="Roboto Condensed" panose="02000000000000000000" pitchFamily="2" charset="0"/>
+              </a:rPr>
+              <a:t>Dunn &amp; </a:t>
+            </a:r>
+            <a:r>
+              <a:rPr lang="de-DE" sz="1200" b="1" dirty="0" err="1">
+                <a:solidFill>
+                  <a:srgbClr val="A1A1A1"/>
+                </a:solidFill>
+                <a:latin typeface="Roboto Condensed" panose="02000000000000000000" pitchFamily="2" charset="0"/>
+                <a:ea typeface="Roboto Condensed" panose="02000000000000000000" pitchFamily="2" charset="0"/>
+              </a:rPr>
+              <a:t>Mulvenon</a:t>
+            </a:r>
+            <a:endParaRPr lang="de-DE" sz="1200" b="1" dirty="0">
+              <a:solidFill>
+                <a:srgbClr val="A1A1A1"/>
+              </a:solidFill>
+              <a:latin typeface="Roboto Condensed" panose="02000000000000000000" pitchFamily="2" charset="0"/>
+              <a:ea typeface="Roboto Condensed" panose="02000000000000000000" pitchFamily="2" charset="0"/>
+            </a:endParaRPr>
+          </a:p>
+        </p:txBody>
+      </p:sp>
+      <p:cxnSp>
+        <p:nvCxnSpPr>
+          <p:cNvPr id="28" name="Gerade Verbindung 27">
+            <a:extLst>
+              <a:ext uri="{FF2B5EF4-FFF2-40B4-BE49-F238E27FC236}">
+                <a16:creationId xmlns:a16="http://schemas.microsoft.com/office/drawing/2014/main" id="{6F643875-807D-C48E-4B73-E8CA90A6C43E}"/>
+              </a:ext>
+            </a:extLst>
+          </p:cNvPr>
+          <p:cNvCxnSpPr>
+            <a:cxnSpLocks/>
+            <a:endCxn id="30" idx="2"/>
+          </p:cNvCxnSpPr>
+          <p:nvPr/>
+        </p:nvCxnSpPr>
+        <p:spPr>
+          <a:xfrm flipV="1">
+            <a:off x="8274364" y="2579829"/>
+            <a:ext cx="0" cy="582701"/>
+          </a:xfrm>
+          <a:prstGeom prst="line">
+            <a:avLst/>
+          </a:prstGeom>
+          <a:ln w="31750">
+            <a:solidFill>
+              <a:srgbClr val="A1A1A1"/>
+            </a:solidFill>
+          </a:ln>
+        </p:spPr>
+        <p:style>
+          <a:lnRef idx="1">
+            <a:schemeClr val="accent1"/>
+          </a:lnRef>
+          <a:fillRef idx="0">
+            <a:schemeClr val="accent1"/>
+          </a:fillRef>
+          <a:effectRef idx="0">
+            <a:schemeClr val="accent1"/>
+          </a:effectRef>
+          <a:fontRef idx="minor">
+            <a:schemeClr val="tx1"/>
+          </a:fontRef>
+        </p:style>
+      </p:cxnSp>
+      <p:sp>
+        <p:nvSpPr>
+          <p:cNvPr id="29" name="Textfeld 28">
+            <a:extLst>
+              <a:ext uri="{FF2B5EF4-FFF2-40B4-BE49-F238E27FC236}">
+                <a16:creationId xmlns:a16="http://schemas.microsoft.com/office/drawing/2014/main" id="{A1E7C99E-E3A2-6AFF-2A0A-94A85F7351DC}"/>
+              </a:ext>
+            </a:extLst>
+          </p:cNvPr>
+          <p:cNvSpPr txBox="1"/>
+          <p:nvPr/>
+        </p:nvSpPr>
+        <p:spPr>
+          <a:xfrm>
+            <a:off x="8007630" y="3221136"/>
+            <a:ext cx="525217" cy="161583"/>
+          </a:xfrm>
+          <a:prstGeom prst="rect">
+            <a:avLst/>
+          </a:prstGeom>
+          <a:noFill/>
+          <a:ln>
+            <a:noFill/>
+          </a:ln>
+        </p:spPr>
+        <p:txBody>
+          <a:bodyPr wrap="square" lIns="0" tIns="0" rIns="0" bIns="0" rtlCol="0">
+            <a:spAutoFit/>
+          </a:bodyPr>
+          <a:lstStyle/>
+          <a:p>
+            <a:pPr algn="ctr"/>
+            <a:r>
+              <a:rPr lang="de-DE" sz="1050" b="1" dirty="0">
+                <a:solidFill>
+                  <a:srgbClr val="A1A1A1"/>
+                </a:solidFill>
+                <a:latin typeface="Roboto Condensed" panose="02000000000000000000" pitchFamily="2" charset="0"/>
+                <a:ea typeface="Roboto Condensed" panose="02000000000000000000" pitchFamily="2" charset="0"/>
+              </a:rPr>
+              <a:t>2011</a:t>
+            </a:r>
+          </a:p>
+        </p:txBody>
+      </p:sp>
+      <p:sp>
+        <p:nvSpPr>
+          <p:cNvPr id="30" name="Abgerundetes Rechteck 29">
+            <a:extLst>
+              <a:ext uri="{FF2B5EF4-FFF2-40B4-BE49-F238E27FC236}">
+                <a16:creationId xmlns:a16="http://schemas.microsoft.com/office/drawing/2014/main" id="{44ECB833-A0CA-217F-4854-E80D3C3BECF6}"/>
+              </a:ext>
+            </a:extLst>
+          </p:cNvPr>
+          <p:cNvSpPr/>
+          <p:nvPr/>
+        </p:nvSpPr>
+        <p:spPr>
+          <a:xfrm>
+            <a:off x="7949892" y="2321819"/>
+            <a:ext cx="648944" cy="258010"/>
+          </a:xfrm>
+          <a:prstGeom prst="roundRect">
+            <a:avLst/>
+          </a:prstGeom>
+          <a:noFill/>
+          <a:ln>
+            <a:solidFill>
+              <a:srgbClr val="A1A1A1"/>
+            </a:solidFill>
+          </a:ln>
+        </p:spPr>
+        <p:style>
+          <a:lnRef idx="2">
+            <a:schemeClr val="accent1">
+              <a:shade val="50000"/>
+            </a:schemeClr>
+          </a:lnRef>
+          <a:fillRef idx="1">
+            <a:schemeClr val="accent1"/>
+          </a:fillRef>
+          <a:effectRef idx="0">
+            <a:schemeClr val="accent1"/>
+          </a:effectRef>
+          <a:fontRef idx="minor">
+            <a:schemeClr val="lt1"/>
+          </a:fontRef>
+        </p:style>
+        <p:txBody>
+          <a:bodyPr lIns="0" tIns="0" rIns="0" bIns="0" rtlCol="0" anchor="ctr"/>
+          <a:lstStyle/>
+          <a:p>
+            <a:pPr algn="ctr"/>
+            <a:r>
+              <a:rPr lang="de-DE" sz="1200" b="1" dirty="0">
+                <a:solidFill>
+                  <a:srgbClr val="A1A1A1"/>
+                </a:solidFill>
+                <a:latin typeface="Roboto Condensed" panose="02000000000000000000" pitchFamily="2" charset="0"/>
+                <a:ea typeface="Roboto Condensed" panose="02000000000000000000" pitchFamily="2" charset="0"/>
+              </a:rPr>
+              <a:t>Klauer</a:t>
+            </a:r>
+          </a:p>
+        </p:txBody>
+      </p:sp>
+      <p:cxnSp>
+        <p:nvCxnSpPr>
+          <p:cNvPr id="6" name="Gerade Verbindung 5">
+            <a:extLst>
+              <a:ext uri="{FF2B5EF4-FFF2-40B4-BE49-F238E27FC236}">
+                <a16:creationId xmlns:a16="http://schemas.microsoft.com/office/drawing/2014/main" id="{172B4376-980B-0A49-D926-F6AB68DB2BF0}"/>
+              </a:ext>
+            </a:extLst>
+          </p:cNvPr>
+          <p:cNvCxnSpPr>
+            <a:cxnSpLocks/>
+          </p:cNvCxnSpPr>
+          <p:nvPr/>
+        </p:nvCxnSpPr>
+        <p:spPr>
+          <a:xfrm flipV="1">
+            <a:off x="1776270" y="3165721"/>
+            <a:ext cx="0" cy="379017"/>
+          </a:xfrm>
+          <a:prstGeom prst="line">
+            <a:avLst/>
+          </a:prstGeom>
+          <a:ln w="31750">
+            <a:solidFill>
+              <a:srgbClr val="A1A1A1"/>
+            </a:solidFill>
+          </a:ln>
+        </p:spPr>
+        <p:style>
+          <a:lnRef idx="1">
+            <a:schemeClr val="accent1"/>
+          </a:lnRef>
+          <a:fillRef idx="0">
+            <a:schemeClr val="accent1"/>
+          </a:fillRef>
+          <a:effectRef idx="0">
+            <a:schemeClr val="accent1"/>
+          </a:effectRef>
+          <a:fontRef idx="minor">
+            <a:schemeClr val="tx1"/>
+          </a:fontRef>
+        </p:style>
+      </p:cxnSp>
+      <p:sp>
+        <p:nvSpPr>
+          <p:cNvPr id="10" name="Textfeld 9">
+            <a:extLst>
+              <a:ext uri="{FF2B5EF4-FFF2-40B4-BE49-F238E27FC236}">
+                <a16:creationId xmlns:a16="http://schemas.microsoft.com/office/drawing/2014/main" id="{0A4FD84F-45F9-055E-6178-53108B646DB4}"/>
+              </a:ext>
+            </a:extLst>
+          </p:cNvPr>
+          <p:cNvSpPr txBox="1"/>
+          <p:nvPr/>
+        </p:nvSpPr>
+        <p:spPr>
+          <a:xfrm>
+            <a:off x="1512515" y="2947887"/>
+            <a:ext cx="525217" cy="161583"/>
+          </a:xfrm>
+          <a:prstGeom prst="rect">
+            <a:avLst/>
+          </a:prstGeom>
+          <a:noFill/>
+          <a:ln>
+            <a:noFill/>
+          </a:ln>
+        </p:spPr>
+        <p:txBody>
+          <a:bodyPr wrap="square" lIns="0" tIns="0" rIns="0" bIns="0" rtlCol="0">
+            <a:spAutoFit/>
+          </a:bodyPr>
+          <a:lstStyle/>
+          <a:p>
+            <a:pPr algn="ctr"/>
+            <a:r>
+              <a:rPr lang="de-DE" sz="1050" b="1" dirty="0">
+                <a:solidFill>
+                  <a:srgbClr val="A1A1A1"/>
+                </a:solidFill>
+                <a:latin typeface="Roboto Condensed" panose="02000000000000000000" pitchFamily="2" charset="0"/>
+                <a:ea typeface="Roboto Condensed" panose="02000000000000000000" pitchFamily="2" charset="0"/>
+              </a:rPr>
+              <a:t>1967</a:t>
+            </a:r>
+          </a:p>
+        </p:txBody>
+      </p:sp>
+      <p:cxnSp>
+        <p:nvCxnSpPr>
+          <p:cNvPr id="12" name="Gerade Verbindung 11">
+            <a:extLst>
+              <a:ext uri="{FF2B5EF4-FFF2-40B4-BE49-F238E27FC236}">
+                <a16:creationId xmlns:a16="http://schemas.microsoft.com/office/drawing/2014/main" id="{E3EDBFD4-48BC-4B6A-F1D3-285786E3685F}"/>
+              </a:ext>
+            </a:extLst>
+          </p:cNvPr>
+          <p:cNvCxnSpPr>
+            <a:cxnSpLocks/>
+            <a:endCxn id="14" idx="2"/>
+          </p:cNvCxnSpPr>
+          <p:nvPr/>
+        </p:nvCxnSpPr>
+        <p:spPr>
+          <a:xfrm flipH="1" flipV="1">
+            <a:off x="2119939" y="2847167"/>
+            <a:ext cx="1" cy="318554"/>
+          </a:xfrm>
+          <a:prstGeom prst="line">
+            <a:avLst/>
+          </a:prstGeom>
+          <a:ln w="31750">
+            <a:solidFill>
+              <a:srgbClr val="A1A1A1"/>
+            </a:solidFill>
+          </a:ln>
+        </p:spPr>
+        <p:style>
+          <a:lnRef idx="1">
+            <a:schemeClr val="accent1"/>
+          </a:lnRef>
+          <a:fillRef idx="0">
+            <a:schemeClr val="accent1"/>
+          </a:fillRef>
+          <a:effectRef idx="0">
+            <a:schemeClr val="accent1"/>
+          </a:effectRef>
+          <a:fontRef idx="minor">
+            <a:schemeClr val="tx1"/>
+          </a:fontRef>
+        </p:style>
+      </p:cxnSp>
+      <p:sp>
+        <p:nvSpPr>
+          <p:cNvPr id="13" name="Textfeld 12">
+            <a:extLst>
+              <a:ext uri="{FF2B5EF4-FFF2-40B4-BE49-F238E27FC236}">
+                <a16:creationId xmlns:a16="http://schemas.microsoft.com/office/drawing/2014/main" id="{17990831-F3C1-E089-AF81-A905AF13CAFF}"/>
+              </a:ext>
+            </a:extLst>
+          </p:cNvPr>
+          <p:cNvSpPr txBox="1"/>
+          <p:nvPr/>
+        </p:nvSpPr>
+        <p:spPr>
+          <a:xfrm>
+            <a:off x="1857331" y="3221136"/>
+            <a:ext cx="525217" cy="161583"/>
+          </a:xfrm>
+          <a:prstGeom prst="rect">
+            <a:avLst/>
+          </a:prstGeom>
+          <a:noFill/>
+          <a:ln>
+            <a:noFill/>
+          </a:ln>
+        </p:spPr>
+        <p:txBody>
+          <a:bodyPr wrap="square" lIns="0" tIns="0" rIns="0" bIns="0" rtlCol="0">
+            <a:spAutoFit/>
+          </a:bodyPr>
+          <a:lstStyle/>
+          <a:p>
+            <a:pPr algn="ctr"/>
+            <a:r>
+              <a:rPr lang="de-DE" sz="1050" b="1" dirty="0">
+                <a:solidFill>
+                  <a:srgbClr val="A1A1A1"/>
+                </a:solidFill>
+                <a:latin typeface="Roboto Condensed" panose="02000000000000000000" pitchFamily="2" charset="0"/>
+                <a:ea typeface="Roboto Condensed" panose="02000000000000000000" pitchFamily="2" charset="0"/>
+              </a:rPr>
+              <a:t>1969</a:t>
+            </a:r>
+          </a:p>
+        </p:txBody>
+      </p:sp>
+      <p:sp>
+        <p:nvSpPr>
+          <p:cNvPr id="14" name="Abgerundetes Rechteck 13">
+            <a:extLst>
+              <a:ext uri="{FF2B5EF4-FFF2-40B4-BE49-F238E27FC236}">
+                <a16:creationId xmlns:a16="http://schemas.microsoft.com/office/drawing/2014/main" id="{A0CAE297-212F-7F85-0B9C-5BDD1EB30C9F}"/>
+              </a:ext>
+            </a:extLst>
+          </p:cNvPr>
+          <p:cNvSpPr/>
+          <p:nvPr/>
+        </p:nvSpPr>
+        <p:spPr>
+          <a:xfrm>
+            <a:off x="1795466" y="2589157"/>
+            <a:ext cx="648945" cy="258010"/>
+          </a:xfrm>
+          <a:prstGeom prst="roundRect">
+            <a:avLst/>
+          </a:prstGeom>
+          <a:noFill/>
+          <a:ln>
+            <a:solidFill>
+              <a:srgbClr val="A1A1A1"/>
+            </a:solidFill>
+          </a:ln>
+        </p:spPr>
+        <p:style>
+          <a:lnRef idx="2">
+            <a:schemeClr val="accent1">
+              <a:shade val="50000"/>
+            </a:schemeClr>
+          </a:lnRef>
+          <a:fillRef idx="1">
+            <a:schemeClr val="accent1"/>
+          </a:fillRef>
+          <a:effectRef idx="0">
+            <a:schemeClr val="accent1"/>
+          </a:effectRef>
+          <a:fontRef idx="minor">
+            <a:schemeClr val="lt1"/>
+          </a:fontRef>
+        </p:style>
+        <p:txBody>
+          <a:bodyPr lIns="0" tIns="0" rIns="0" bIns="0" rtlCol="0" anchor="ctr"/>
+          <a:lstStyle/>
+          <a:p>
+            <a:pPr algn="ctr"/>
+            <a:r>
+              <a:rPr lang="de-DE" sz="1200" b="1" dirty="0">
+                <a:solidFill>
+                  <a:srgbClr val="A1A1A1"/>
+                </a:solidFill>
+                <a:latin typeface="Roboto Condensed" panose="02000000000000000000" pitchFamily="2" charset="0"/>
+                <a:ea typeface="Roboto Condensed" panose="02000000000000000000" pitchFamily="2" charset="0"/>
+              </a:rPr>
+              <a:t>Bloom</a:t>
+            </a:r>
+          </a:p>
+        </p:txBody>
+      </p:sp>
+      <p:sp>
+        <p:nvSpPr>
+          <p:cNvPr id="15" name="Abgerundetes Rechteck 14">
+            <a:extLst>
+              <a:ext uri="{FF2B5EF4-FFF2-40B4-BE49-F238E27FC236}">
+                <a16:creationId xmlns:a16="http://schemas.microsoft.com/office/drawing/2014/main" id="{E6BAB88A-5728-E284-4207-7B2B900B14F5}"/>
+              </a:ext>
+            </a:extLst>
+          </p:cNvPr>
+          <p:cNvSpPr/>
+          <p:nvPr/>
+        </p:nvSpPr>
+        <p:spPr>
+          <a:xfrm>
+            <a:off x="1451796" y="3544452"/>
+            <a:ext cx="648945" cy="258010"/>
+          </a:xfrm>
+          <a:prstGeom prst="roundRect">
+            <a:avLst/>
+          </a:prstGeom>
+          <a:noFill/>
+          <a:ln>
+            <a:solidFill>
+              <a:srgbClr val="A1A1A1"/>
+            </a:solidFill>
+          </a:ln>
+        </p:spPr>
+        <p:style>
+          <a:lnRef idx="2">
+            <a:schemeClr val="accent1">
+              <a:shade val="50000"/>
+            </a:schemeClr>
+          </a:lnRef>
+          <a:fillRef idx="1">
+            <a:schemeClr val="accent1"/>
+          </a:fillRef>
+          <a:effectRef idx="0">
+            <a:schemeClr val="accent1"/>
+          </a:effectRef>
+          <a:fontRef idx="minor">
+            <a:schemeClr val="lt1"/>
+          </a:fontRef>
+        </p:style>
+        <p:txBody>
+          <a:bodyPr lIns="0" tIns="0" rIns="0" bIns="0" rtlCol="0" anchor="ctr"/>
+          <a:lstStyle/>
+          <a:p>
+            <a:pPr algn="ctr"/>
+            <a:r>
+              <a:rPr lang="de-DE" sz="1200" b="1" dirty="0" err="1">
+                <a:solidFill>
+                  <a:srgbClr val="A1A1A1"/>
+                </a:solidFill>
+                <a:latin typeface="Roboto Condensed" panose="02000000000000000000" pitchFamily="2" charset="0"/>
+                <a:ea typeface="Roboto Condensed" panose="02000000000000000000" pitchFamily="2" charset="0"/>
+              </a:rPr>
+              <a:t>Scriven</a:t>
+            </a:r>
+            <a:endParaRPr lang="de-DE" sz="1200" b="1" dirty="0">
+              <a:solidFill>
+                <a:srgbClr val="A1A1A1"/>
+              </a:solidFill>
+              <a:latin typeface="Roboto Condensed" panose="02000000000000000000" pitchFamily="2" charset="0"/>
+              <a:ea typeface="Roboto Condensed" panose="02000000000000000000" pitchFamily="2" charset="0"/>
+            </a:endParaRPr>
+          </a:p>
+        </p:txBody>
+      </p:sp>
+      <p:cxnSp>
+        <p:nvCxnSpPr>
+          <p:cNvPr id="2" name="Gerade Verbindung 1">
+            <a:extLst>
+              <a:ext uri="{FF2B5EF4-FFF2-40B4-BE49-F238E27FC236}">
                 <a16:creationId xmlns:a16="http://schemas.microsoft.com/office/drawing/2014/main" id="{1886CFCC-3F94-1CF3-CCAA-C7ADAD388DFB}"/>
               </a:ext>
             </a:extLst>
@@ -17637,7 +19757,7 @@
 </p:sld>
 </file>
 
-<file path=ppt/slides/slide5.xml><?xml version="1.0" encoding="utf-8"?>
+<file path=ppt/slides/slide6.xml><?xml version="1.0" encoding="utf-8"?>
 <p:sld xmlns:a="http://schemas.openxmlformats.org/drawingml/2006/main" xmlns:r="http://schemas.openxmlformats.org/officeDocument/2006/relationships" xmlns:p="http://schemas.openxmlformats.org/presentationml/2006/main">
   <p:cSld>
     <p:bg>
@@ -18959,7 +21079,7 @@
 </p:sld>
 </file>
 
-<file path=ppt/slides/slide6.xml><?xml version="1.0" encoding="utf-8"?>
+<file path=ppt/slides/slide7.xml><?xml version="1.0" encoding="utf-8"?>
 <p:sld xmlns:a="http://schemas.openxmlformats.org/drawingml/2006/main" xmlns:r="http://schemas.openxmlformats.org/officeDocument/2006/relationships" xmlns:p="http://schemas.openxmlformats.org/presentationml/2006/main">
   <p:cSld>
     <p:bg>
@@ -20289,381 +22409,6 @@
     <p:extLst>
       <p:ext uri="{BB962C8B-B14F-4D97-AF65-F5344CB8AC3E}">
         <p14:creationId xmlns:p14="http://schemas.microsoft.com/office/powerpoint/2010/main" val="3960745742"/>
-      </p:ext>
-    </p:extLst>
-  </p:cSld>
-  <p:clrMapOvr>
-    <a:masterClrMapping/>
-  </p:clrMapOvr>
-</p:sld>
-</file>
-
-<file path=ppt/slides/slide7.xml><?xml version="1.0" encoding="utf-8"?>
-<p:sld xmlns:a="http://schemas.openxmlformats.org/drawingml/2006/main" xmlns:r="http://schemas.openxmlformats.org/officeDocument/2006/relationships" xmlns:p="http://schemas.openxmlformats.org/presentationml/2006/main">
-  <p:cSld>
-    <p:bg>
-      <p:bgPr>
-        <a:solidFill>
-          <a:schemeClr val="tx1"/>
-        </a:solidFill>
-        <a:effectLst/>
-      </p:bgPr>
-    </p:bg>
-    <p:spTree>
-      <p:nvGrpSpPr>
-        <p:cNvPr id="1" name="Shape 284"/>
-        <p:cNvGrpSpPr/>
-        <p:nvPr/>
-      </p:nvGrpSpPr>
-      <p:grpSpPr>
-        <a:xfrm>
-          <a:off x="0" y="0"/>
-          <a:ext cx="0" cy="0"/>
-          <a:chOff x="0" y="0"/>
-          <a:chExt cx="0" cy="0"/>
-        </a:xfrm>
-      </p:grpSpPr>
-      <p:cxnSp>
-        <p:nvCxnSpPr>
-          <p:cNvPr id="3" name="Gerade Verbindung mit Pfeil 2">
-            <a:extLst>
-              <a:ext uri="{FF2B5EF4-FFF2-40B4-BE49-F238E27FC236}">
-                <a16:creationId xmlns:a16="http://schemas.microsoft.com/office/drawing/2014/main" id="{AA11BAF7-8E88-BA9F-E50D-549EB70CD471}"/>
-              </a:ext>
-            </a:extLst>
-          </p:cNvPr>
-          <p:cNvCxnSpPr/>
-          <p:nvPr/>
-        </p:nvCxnSpPr>
-        <p:spPr>
-          <a:xfrm>
-            <a:off x="747891" y="3165721"/>
-            <a:ext cx="8393102" cy="0"/>
-          </a:xfrm>
-          <a:prstGeom prst="straightConnector1">
-            <a:avLst/>
-          </a:prstGeom>
-          <a:ln w="76200">
-            <a:solidFill>
-              <a:srgbClr val="698E30"/>
-            </a:solidFill>
-            <a:tailEnd type="triangle"/>
-          </a:ln>
-        </p:spPr>
-        <p:style>
-          <a:lnRef idx="1">
-            <a:schemeClr val="accent1"/>
-          </a:lnRef>
-          <a:fillRef idx="0">
-            <a:schemeClr val="accent1"/>
-          </a:fillRef>
-          <a:effectRef idx="0">
-            <a:schemeClr val="accent1"/>
-          </a:effectRef>
-          <a:fontRef idx="minor">
-            <a:schemeClr val="tx1"/>
-          </a:fontRef>
-        </p:style>
-      </p:cxnSp>
-      <p:sp>
-        <p:nvSpPr>
-          <p:cNvPr id="10" name="Textfeld 9">
-            <a:extLst>
-              <a:ext uri="{FF2B5EF4-FFF2-40B4-BE49-F238E27FC236}">
-                <a16:creationId xmlns:a16="http://schemas.microsoft.com/office/drawing/2014/main" id="{C7B9D596-D485-5B09-0A58-948270D623B6}"/>
-              </a:ext>
-            </a:extLst>
-          </p:cNvPr>
-          <p:cNvSpPr txBox="1"/>
-          <p:nvPr/>
-        </p:nvSpPr>
-        <p:spPr>
-          <a:xfrm>
-            <a:off x="1512515" y="2922129"/>
-            <a:ext cx="525217" cy="161583"/>
-          </a:xfrm>
-          <a:prstGeom prst="rect">
-            <a:avLst/>
-          </a:prstGeom>
-          <a:noFill/>
-        </p:spPr>
-        <p:txBody>
-          <a:bodyPr wrap="square" lIns="0" tIns="0" rIns="0" bIns="0" rtlCol="0">
-            <a:spAutoFit/>
-          </a:bodyPr>
-          <a:lstStyle/>
-          <a:p>
-            <a:pPr algn="ctr"/>
-            <a:r>
-              <a:rPr lang="de-DE" sz="1050" b="1" dirty="0">
-                <a:solidFill>
-                  <a:schemeClr val="bg1"/>
-                </a:solidFill>
-                <a:latin typeface="Roboto Condensed" panose="02000000000000000000" pitchFamily="2" charset="0"/>
-                <a:ea typeface="Roboto Condensed" panose="02000000000000000000" pitchFamily="2" charset="0"/>
-              </a:rPr>
-              <a:t>1967</a:t>
-            </a:r>
-          </a:p>
-        </p:txBody>
-      </p:sp>
-      <p:sp>
-        <p:nvSpPr>
-          <p:cNvPr id="15" name="Abgerundetes Rechteck 14">
-            <a:extLst>
-              <a:ext uri="{FF2B5EF4-FFF2-40B4-BE49-F238E27FC236}">
-                <a16:creationId xmlns:a16="http://schemas.microsoft.com/office/drawing/2014/main" id="{755B7EBF-18F8-0BE8-1F2D-52FFEA754293}"/>
-              </a:ext>
-            </a:extLst>
-          </p:cNvPr>
-          <p:cNvSpPr/>
-          <p:nvPr/>
-        </p:nvSpPr>
-        <p:spPr>
-          <a:xfrm>
-            <a:off x="1451796" y="3544452"/>
-            <a:ext cx="648945" cy="258010"/>
-          </a:xfrm>
-          <a:prstGeom prst="roundRect">
-            <a:avLst/>
-          </a:prstGeom>
-          <a:solidFill>
-            <a:srgbClr val="92D050"/>
-          </a:solidFill>
-          <a:ln>
-            <a:solidFill>
-              <a:srgbClr val="698E30"/>
-            </a:solidFill>
-          </a:ln>
-        </p:spPr>
-        <p:style>
-          <a:lnRef idx="2">
-            <a:schemeClr val="accent1">
-              <a:shade val="50000"/>
-            </a:schemeClr>
-          </a:lnRef>
-          <a:fillRef idx="1">
-            <a:schemeClr val="accent1"/>
-          </a:fillRef>
-          <a:effectRef idx="0">
-            <a:schemeClr val="accent1"/>
-          </a:effectRef>
-          <a:fontRef idx="minor">
-            <a:schemeClr val="lt1"/>
-          </a:fontRef>
-        </p:style>
-        <p:txBody>
-          <a:bodyPr lIns="0" tIns="0" rIns="0" bIns="0" rtlCol="0" anchor="ctr"/>
-          <a:lstStyle/>
-          <a:p>
-            <a:pPr algn="ctr"/>
-            <a:r>
-              <a:rPr lang="de-DE" sz="1200" b="1" dirty="0" err="1">
-                <a:latin typeface="Roboto Condensed" panose="02000000000000000000" pitchFamily="2" charset="0"/>
-                <a:ea typeface="Roboto Condensed" panose="02000000000000000000" pitchFamily="2" charset="0"/>
-              </a:rPr>
-              <a:t>Scriven</a:t>
-            </a:r>
-            <a:endParaRPr lang="de-DE" sz="1200" b="1" dirty="0">
-              <a:latin typeface="Roboto Condensed" panose="02000000000000000000" pitchFamily="2" charset="0"/>
-              <a:ea typeface="Roboto Condensed" panose="02000000000000000000" pitchFamily="2" charset="0"/>
-            </a:endParaRPr>
-          </a:p>
-        </p:txBody>
-      </p:sp>
-      <p:cxnSp>
-        <p:nvCxnSpPr>
-          <p:cNvPr id="2" name="Gerade Verbindung 1">
-            <a:extLst>
-              <a:ext uri="{FF2B5EF4-FFF2-40B4-BE49-F238E27FC236}">
-                <a16:creationId xmlns:a16="http://schemas.microsoft.com/office/drawing/2014/main" id="{2C1D6FC5-B0B8-33C7-F324-0E7E464C1702}"/>
-              </a:ext>
-            </a:extLst>
-          </p:cNvPr>
-          <p:cNvCxnSpPr>
-            <a:cxnSpLocks/>
-            <a:endCxn id="5" idx="2"/>
-          </p:cNvCxnSpPr>
-          <p:nvPr/>
-        </p:nvCxnSpPr>
-        <p:spPr>
-          <a:xfrm flipV="1">
-            <a:off x="1226431" y="2703725"/>
-            <a:ext cx="0" cy="453028"/>
-          </a:xfrm>
-          <a:prstGeom prst="line">
-            <a:avLst/>
-          </a:prstGeom>
-          <a:ln w="31750">
-            <a:solidFill>
-              <a:srgbClr val="698E30"/>
-            </a:solidFill>
-          </a:ln>
-        </p:spPr>
-        <p:style>
-          <a:lnRef idx="1">
-            <a:schemeClr val="accent1"/>
-          </a:lnRef>
-          <a:fillRef idx="0">
-            <a:schemeClr val="accent1"/>
-          </a:fillRef>
-          <a:effectRef idx="0">
-            <a:schemeClr val="accent1"/>
-          </a:effectRef>
-          <a:fontRef idx="minor">
-            <a:schemeClr val="tx1"/>
-          </a:fontRef>
-        </p:style>
-      </p:cxnSp>
-      <p:sp>
-        <p:nvSpPr>
-          <p:cNvPr id="4" name="Textfeld 3">
-            <a:extLst>
-              <a:ext uri="{FF2B5EF4-FFF2-40B4-BE49-F238E27FC236}">
-                <a16:creationId xmlns:a16="http://schemas.microsoft.com/office/drawing/2014/main" id="{E573EBF2-379A-88E4-C63D-113DCDB037B2}"/>
-              </a:ext>
-            </a:extLst>
-          </p:cNvPr>
-          <p:cNvSpPr txBox="1"/>
-          <p:nvPr/>
-        </p:nvSpPr>
-        <p:spPr>
-          <a:xfrm>
-            <a:off x="951894" y="3242410"/>
-            <a:ext cx="525217" cy="161583"/>
-          </a:xfrm>
-          <a:prstGeom prst="rect">
-            <a:avLst/>
-          </a:prstGeom>
-          <a:noFill/>
-        </p:spPr>
-        <p:txBody>
-          <a:bodyPr wrap="square" lIns="0" tIns="0" rIns="0" bIns="0" rtlCol="0">
-            <a:spAutoFit/>
-          </a:bodyPr>
-          <a:lstStyle/>
-          <a:p>
-            <a:pPr algn="ctr"/>
-            <a:r>
-              <a:rPr lang="de-DE" sz="1050" b="1" dirty="0">
-                <a:solidFill>
-                  <a:schemeClr val="bg1"/>
-                </a:solidFill>
-                <a:latin typeface="Roboto Condensed" panose="02000000000000000000" pitchFamily="2" charset="0"/>
-                <a:ea typeface="Roboto Condensed" panose="02000000000000000000" pitchFamily="2" charset="0"/>
-              </a:rPr>
-              <a:t>1964</a:t>
-            </a:r>
-          </a:p>
-        </p:txBody>
-      </p:sp>
-      <p:sp>
-        <p:nvSpPr>
-          <p:cNvPr id="5" name="Abgerundetes Rechteck 4">
-            <a:extLst>
-              <a:ext uri="{FF2B5EF4-FFF2-40B4-BE49-F238E27FC236}">
-                <a16:creationId xmlns:a16="http://schemas.microsoft.com/office/drawing/2014/main" id="{3071A008-9EBF-AFE5-1A48-485D3090C978}"/>
-              </a:ext>
-            </a:extLst>
-          </p:cNvPr>
-          <p:cNvSpPr/>
-          <p:nvPr/>
-        </p:nvSpPr>
-        <p:spPr>
-          <a:xfrm>
-            <a:off x="827274" y="2445715"/>
-            <a:ext cx="798314" cy="258010"/>
-          </a:xfrm>
-          <a:prstGeom prst="roundRect">
-            <a:avLst/>
-          </a:prstGeom>
-          <a:solidFill>
-            <a:srgbClr val="92D050"/>
-          </a:solidFill>
-          <a:ln>
-            <a:solidFill>
-              <a:srgbClr val="698E30"/>
-            </a:solidFill>
-          </a:ln>
-        </p:spPr>
-        <p:style>
-          <a:lnRef idx="2">
-            <a:schemeClr val="accent1">
-              <a:shade val="50000"/>
-            </a:schemeClr>
-          </a:lnRef>
-          <a:fillRef idx="1">
-            <a:schemeClr val="accent1"/>
-          </a:fillRef>
-          <a:effectRef idx="0">
-            <a:schemeClr val="accent1"/>
-          </a:effectRef>
-          <a:fontRef idx="minor">
-            <a:schemeClr val="lt1"/>
-          </a:fontRef>
-        </p:style>
-        <p:txBody>
-          <a:bodyPr lIns="0" tIns="0" rIns="0" bIns="0" rtlCol="0" anchor="ctr"/>
-          <a:lstStyle/>
-          <a:p>
-            <a:pPr algn="ctr"/>
-            <a:r>
-              <a:rPr lang="de-DE" sz="1200" b="1" dirty="0">
-                <a:latin typeface="Roboto Condensed" panose="02000000000000000000" pitchFamily="2" charset="0"/>
-                <a:ea typeface="Roboto Condensed" panose="02000000000000000000" pitchFamily="2" charset="0"/>
-              </a:rPr>
-              <a:t>Cronbach</a:t>
-            </a:r>
-          </a:p>
-        </p:txBody>
-      </p:sp>
-      <p:cxnSp>
-        <p:nvCxnSpPr>
-          <p:cNvPr id="7" name="Gerade Verbindung 6">
-            <a:extLst>
-              <a:ext uri="{FF2B5EF4-FFF2-40B4-BE49-F238E27FC236}">
-                <a16:creationId xmlns:a16="http://schemas.microsoft.com/office/drawing/2014/main" id="{D4C5C996-7FAF-6D2D-8E7C-A8390C008B63}"/>
-              </a:ext>
-            </a:extLst>
-          </p:cNvPr>
-          <p:cNvCxnSpPr>
-            <a:cxnSpLocks/>
-          </p:cNvCxnSpPr>
-          <p:nvPr/>
-        </p:nvCxnSpPr>
-        <p:spPr>
-          <a:xfrm flipV="1">
-            <a:off x="1776270" y="3165721"/>
-            <a:ext cx="0" cy="379017"/>
-          </a:xfrm>
-          <a:prstGeom prst="line">
-            <a:avLst/>
-          </a:prstGeom>
-          <a:ln w="31750">
-            <a:solidFill>
-              <a:srgbClr val="698E30"/>
-            </a:solidFill>
-          </a:ln>
-        </p:spPr>
-        <p:style>
-          <a:lnRef idx="1">
-            <a:schemeClr val="accent1"/>
-          </a:lnRef>
-          <a:fillRef idx="0">
-            <a:schemeClr val="accent1"/>
-          </a:fillRef>
-          <a:effectRef idx="0">
-            <a:schemeClr val="accent1"/>
-          </a:effectRef>
-          <a:fontRef idx="minor">
-            <a:schemeClr val="tx1"/>
-          </a:fontRef>
-        </p:style>
-      </p:cxnSp>
-    </p:spTree>
-    <p:extLst>
-      <p:ext uri="{BB962C8B-B14F-4D97-AF65-F5344CB8AC3E}">
-        <p14:creationId xmlns:p14="http://schemas.microsoft.com/office/powerpoint/2010/main" val="931726765"/>
       </p:ext>
     </p:extLst>
   </p:cSld>
@@ -20740,49 +22485,6 @@
           </a:fontRef>
         </p:style>
       </p:cxnSp>
-      <p:cxnSp>
-        <p:nvCxnSpPr>
-          <p:cNvPr id="6" name="Gerade Verbindung 5">
-            <a:extLst>
-              <a:ext uri="{FF2B5EF4-FFF2-40B4-BE49-F238E27FC236}">
-                <a16:creationId xmlns:a16="http://schemas.microsoft.com/office/drawing/2014/main" id="{0962A2E1-27A5-72E5-AD1D-FC2B66DCFA94}"/>
-              </a:ext>
-            </a:extLst>
-          </p:cNvPr>
-          <p:cNvCxnSpPr>
-            <a:cxnSpLocks/>
-          </p:cNvCxnSpPr>
-          <p:nvPr/>
-        </p:nvCxnSpPr>
-        <p:spPr>
-          <a:xfrm flipV="1">
-            <a:off x="1776270" y="3165721"/>
-            <a:ext cx="0" cy="379017"/>
-          </a:xfrm>
-          <a:prstGeom prst="line">
-            <a:avLst/>
-          </a:prstGeom>
-          <a:ln w="31750">
-            <a:solidFill>
-              <a:srgbClr val="698E30"/>
-            </a:solidFill>
-          </a:ln>
-        </p:spPr>
-        <p:style>
-          <a:lnRef idx="1">
-            <a:schemeClr val="accent1"/>
-          </a:lnRef>
-          <a:fillRef idx="0">
-            <a:schemeClr val="accent1"/>
-          </a:fillRef>
-          <a:effectRef idx="0">
-            <a:schemeClr val="accent1"/>
-          </a:effectRef>
-          <a:fontRef idx="minor">
-            <a:schemeClr val="tx1"/>
-          </a:fontRef>
-        </p:style>
-      </p:cxnSp>
       <p:sp>
         <p:nvSpPr>
           <p:cNvPr id="10" name="Textfeld 9">
@@ -20821,151 +22523,6 @@
                 <a:ea typeface="Roboto Condensed" panose="02000000000000000000" pitchFamily="2" charset="0"/>
               </a:rPr>
               <a:t>1967</a:t>
-            </a:r>
-          </a:p>
-        </p:txBody>
-      </p:sp>
-      <p:cxnSp>
-        <p:nvCxnSpPr>
-          <p:cNvPr id="12" name="Gerade Verbindung 11">
-            <a:extLst>
-              <a:ext uri="{FF2B5EF4-FFF2-40B4-BE49-F238E27FC236}">
-                <a16:creationId xmlns:a16="http://schemas.microsoft.com/office/drawing/2014/main" id="{755805DC-F163-23FE-E21D-8BED99F06F34}"/>
-              </a:ext>
-            </a:extLst>
-          </p:cNvPr>
-          <p:cNvCxnSpPr>
-            <a:cxnSpLocks/>
-          </p:cNvCxnSpPr>
-          <p:nvPr/>
-        </p:nvCxnSpPr>
-        <p:spPr>
-          <a:xfrm flipV="1">
-            <a:off x="2119940" y="2786704"/>
-            <a:ext cx="0" cy="379017"/>
-          </a:xfrm>
-          <a:prstGeom prst="line">
-            <a:avLst/>
-          </a:prstGeom>
-          <a:ln w="31750">
-            <a:solidFill>
-              <a:srgbClr val="698E30"/>
-            </a:solidFill>
-          </a:ln>
-        </p:spPr>
-        <p:style>
-          <a:lnRef idx="1">
-            <a:schemeClr val="accent1"/>
-          </a:lnRef>
-          <a:fillRef idx="0">
-            <a:schemeClr val="accent1"/>
-          </a:fillRef>
-          <a:effectRef idx="0">
-            <a:schemeClr val="accent1"/>
-          </a:effectRef>
-          <a:fontRef idx="minor">
-            <a:schemeClr val="tx1"/>
-          </a:fontRef>
-        </p:style>
-      </p:cxnSp>
-      <p:sp>
-        <p:nvSpPr>
-          <p:cNvPr id="13" name="Textfeld 12">
-            <a:extLst>
-              <a:ext uri="{FF2B5EF4-FFF2-40B4-BE49-F238E27FC236}">
-                <a16:creationId xmlns:a16="http://schemas.microsoft.com/office/drawing/2014/main" id="{EF8A2ECD-6FE7-C547-55F9-78CABF17D4F6}"/>
-              </a:ext>
-            </a:extLst>
-          </p:cNvPr>
-          <p:cNvSpPr txBox="1"/>
-          <p:nvPr/>
-        </p:nvSpPr>
-        <p:spPr>
-          <a:xfrm>
-            <a:off x="1857331" y="3251377"/>
-            <a:ext cx="525217" cy="161583"/>
-          </a:xfrm>
-          <a:prstGeom prst="rect">
-            <a:avLst/>
-          </a:prstGeom>
-          <a:noFill/>
-        </p:spPr>
-        <p:txBody>
-          <a:bodyPr wrap="square" lIns="0" tIns="0" rIns="0" bIns="0" rtlCol="0">
-            <a:spAutoFit/>
-          </a:bodyPr>
-          <a:lstStyle/>
-          <a:p>
-            <a:pPr algn="ctr"/>
-            <a:r>
-              <a:rPr lang="de-DE" sz="1050" b="1" dirty="0">
-                <a:solidFill>
-                  <a:schemeClr val="bg1"/>
-                </a:solidFill>
-                <a:latin typeface="Roboto Condensed" panose="02000000000000000000" pitchFamily="2" charset="0"/>
-                <a:ea typeface="Roboto Condensed" panose="02000000000000000000" pitchFamily="2" charset="0"/>
-              </a:rPr>
-              <a:t>1969</a:t>
-            </a:r>
-          </a:p>
-        </p:txBody>
-      </p:sp>
-      <p:sp>
-        <p:nvSpPr>
-          <p:cNvPr id="14" name="Abgerundetes Rechteck 13">
-            <a:extLst>
-              <a:ext uri="{FF2B5EF4-FFF2-40B4-BE49-F238E27FC236}">
-                <a16:creationId xmlns:a16="http://schemas.microsoft.com/office/drawing/2014/main" id="{C6ACBC17-88A6-1C93-A0E2-5342C78CDE6A}"/>
-              </a:ext>
-            </a:extLst>
-          </p:cNvPr>
-          <p:cNvSpPr/>
-          <p:nvPr/>
-        </p:nvSpPr>
-        <p:spPr>
-          <a:xfrm>
-            <a:off x="1795466" y="2589157"/>
-            <a:ext cx="648945" cy="258010"/>
-          </a:xfrm>
-          <a:prstGeom prst="roundRect">
-            <a:avLst/>
-          </a:prstGeom>
-          <a:solidFill>
-            <a:srgbClr val="92D050"/>
-          </a:solidFill>
-          <a:ln>
-            <a:solidFill>
-              <a:srgbClr val="698E30"/>
-            </a:solidFill>
-          </a:ln>
-        </p:spPr>
-        <p:style>
-          <a:lnRef idx="2">
-            <a:schemeClr val="accent1">
-              <a:shade val="50000"/>
-            </a:schemeClr>
-          </a:lnRef>
-          <a:fillRef idx="1">
-            <a:schemeClr val="accent1"/>
-          </a:fillRef>
-          <a:effectRef idx="0">
-            <a:schemeClr val="accent1"/>
-          </a:effectRef>
-          <a:fontRef idx="minor">
-            <a:schemeClr val="lt1"/>
-          </a:fontRef>
-        </p:style>
-        <p:txBody>
-          <a:bodyPr lIns="0" tIns="0" rIns="0" bIns="0" rtlCol="0" anchor="ctr"/>
-          <a:lstStyle/>
-          <a:p>
-            <a:pPr algn="ctr"/>
-            <a:r>
-              <a:rPr lang="de-DE" sz="1200" b="1" dirty="0">
-                <a:latin typeface="Roboto Condensed" panose="02000000000000000000" pitchFamily="2" charset="0"/>
-                <a:ea typeface="Roboto Condensed" panose="02000000000000000000" pitchFamily="2" charset="0"/>
-              </a:rPr>
-              <a:t>Bloom</a:t>
             </a:r>
           </a:p>
         </p:txBody>
@@ -21180,10 +22737,53 @@
           </a:p>
         </p:txBody>
       </p:sp>
+      <p:cxnSp>
+        <p:nvCxnSpPr>
+          <p:cNvPr id="7" name="Gerade Verbindung 6">
+            <a:extLst>
+              <a:ext uri="{FF2B5EF4-FFF2-40B4-BE49-F238E27FC236}">
+                <a16:creationId xmlns:a16="http://schemas.microsoft.com/office/drawing/2014/main" id="{D4C5C996-7FAF-6D2D-8E7C-A8390C008B63}"/>
+              </a:ext>
+            </a:extLst>
+          </p:cNvPr>
+          <p:cNvCxnSpPr>
+            <a:cxnSpLocks/>
+          </p:cNvCxnSpPr>
+          <p:nvPr/>
+        </p:nvCxnSpPr>
+        <p:spPr>
+          <a:xfrm flipV="1">
+            <a:off x="1776270" y="3165721"/>
+            <a:ext cx="0" cy="379017"/>
+          </a:xfrm>
+          <a:prstGeom prst="line">
+            <a:avLst/>
+          </a:prstGeom>
+          <a:ln w="31750">
+            <a:solidFill>
+              <a:srgbClr val="698E30"/>
+            </a:solidFill>
+          </a:ln>
+        </p:spPr>
+        <p:style>
+          <a:lnRef idx="1">
+            <a:schemeClr val="accent1"/>
+          </a:lnRef>
+          <a:fillRef idx="0">
+            <a:schemeClr val="accent1"/>
+          </a:fillRef>
+          <a:effectRef idx="0">
+            <a:schemeClr val="accent1"/>
+          </a:effectRef>
+          <a:fontRef idx="minor">
+            <a:schemeClr val="tx1"/>
+          </a:fontRef>
+        </p:style>
+      </p:cxnSp>
     </p:spTree>
     <p:extLst>
       <p:ext uri="{BB962C8B-B14F-4D97-AF65-F5344CB8AC3E}">
-        <p14:creationId xmlns:p14="http://schemas.microsoft.com/office/powerpoint/2010/main" val="393869029"/>
+        <p14:creationId xmlns:p14="http://schemas.microsoft.com/office/powerpoint/2010/main" val="931726765"/>
       </p:ext>
     </p:extLst>
   </p:cSld>
@@ -21556,156 +23156,6 @@
       </p:sp>
       <p:cxnSp>
         <p:nvCxnSpPr>
-          <p:cNvPr id="19" name="Gerade Verbindung 18">
-            <a:extLst>
-              <a:ext uri="{FF2B5EF4-FFF2-40B4-BE49-F238E27FC236}">
-                <a16:creationId xmlns:a16="http://schemas.microsoft.com/office/drawing/2014/main" id="{95DAE19A-331D-A112-0849-F1148ECE67EC}"/>
-              </a:ext>
-            </a:extLst>
-          </p:cNvPr>
-          <p:cNvCxnSpPr>
-            <a:cxnSpLocks/>
-            <a:endCxn id="21" idx="2"/>
-          </p:cNvCxnSpPr>
-          <p:nvPr/>
-        </p:nvCxnSpPr>
-        <p:spPr>
-          <a:xfrm flipV="1">
-            <a:off x="3341031" y="2709279"/>
-            <a:ext cx="0" cy="456442"/>
-          </a:xfrm>
-          <a:prstGeom prst="line">
-            <a:avLst/>
-          </a:prstGeom>
-          <a:ln w="31750">
-            <a:solidFill>
-              <a:srgbClr val="698E30"/>
-            </a:solidFill>
-          </a:ln>
-        </p:spPr>
-        <p:style>
-          <a:lnRef idx="1">
-            <a:schemeClr val="accent1"/>
-          </a:lnRef>
-          <a:fillRef idx="0">
-            <a:schemeClr val="accent1"/>
-          </a:fillRef>
-          <a:effectRef idx="0">
-            <a:schemeClr val="accent1"/>
-          </a:effectRef>
-          <a:fontRef idx="minor">
-            <a:schemeClr val="tx1"/>
-          </a:fontRef>
-        </p:style>
-      </p:cxnSp>
-      <p:sp>
-        <p:nvSpPr>
-          <p:cNvPr id="20" name="Textfeld 19">
-            <a:extLst>
-              <a:ext uri="{FF2B5EF4-FFF2-40B4-BE49-F238E27FC236}">
-                <a16:creationId xmlns:a16="http://schemas.microsoft.com/office/drawing/2014/main" id="{5802A953-A68A-0BD0-669D-5DC5026B220A}"/>
-              </a:ext>
-            </a:extLst>
-          </p:cNvPr>
-          <p:cNvSpPr txBox="1"/>
-          <p:nvPr/>
-        </p:nvSpPr>
-        <p:spPr>
-          <a:xfrm>
-            <a:off x="3067692" y="3251377"/>
-            <a:ext cx="525217" cy="161583"/>
-          </a:xfrm>
-          <a:prstGeom prst="rect">
-            <a:avLst/>
-          </a:prstGeom>
-          <a:noFill/>
-        </p:spPr>
-        <p:txBody>
-          <a:bodyPr wrap="square" lIns="0" tIns="0" rIns="0" bIns="0" rtlCol="0">
-            <a:spAutoFit/>
-          </a:bodyPr>
-          <a:lstStyle/>
-          <a:p>
-            <a:pPr algn="ctr"/>
-            <a:r>
-              <a:rPr lang="de-DE" sz="1050" b="1" dirty="0">
-                <a:solidFill>
-                  <a:schemeClr val="bg1"/>
-                </a:solidFill>
-                <a:latin typeface="Roboto Condensed" panose="02000000000000000000" pitchFamily="2" charset="0"/>
-                <a:ea typeface="Roboto Condensed" panose="02000000000000000000" pitchFamily="2" charset="0"/>
-              </a:rPr>
-              <a:t>1978</a:t>
-            </a:r>
-          </a:p>
-        </p:txBody>
-      </p:sp>
-      <p:sp>
-        <p:nvSpPr>
-          <p:cNvPr id="21" name="Abgerundetes Rechteck 20">
-            <a:extLst>
-              <a:ext uri="{FF2B5EF4-FFF2-40B4-BE49-F238E27FC236}">
-                <a16:creationId xmlns:a16="http://schemas.microsoft.com/office/drawing/2014/main" id="{9C449EBF-5814-D677-3C8E-330F1AD3939A}"/>
-              </a:ext>
-            </a:extLst>
-          </p:cNvPr>
-          <p:cNvSpPr/>
-          <p:nvPr/>
-        </p:nvSpPr>
-        <p:spPr>
-          <a:xfrm>
-            <a:off x="2941873" y="2379252"/>
-            <a:ext cx="798315" cy="330027"/>
-          </a:xfrm>
-          <a:prstGeom prst="roundRect">
-            <a:avLst/>
-          </a:prstGeom>
-          <a:solidFill>
-            <a:srgbClr val="92D050"/>
-          </a:solidFill>
-          <a:ln>
-            <a:solidFill>
-              <a:srgbClr val="698E30"/>
-            </a:solidFill>
-          </a:ln>
-        </p:spPr>
-        <p:style>
-          <a:lnRef idx="2">
-            <a:schemeClr val="accent1">
-              <a:shade val="50000"/>
-            </a:schemeClr>
-          </a:lnRef>
-          <a:fillRef idx="1">
-            <a:schemeClr val="accent1"/>
-          </a:fillRef>
-          <a:effectRef idx="0">
-            <a:schemeClr val="accent1"/>
-          </a:effectRef>
-          <a:fontRef idx="minor">
-            <a:schemeClr val="lt1"/>
-          </a:fontRef>
-        </p:style>
-        <p:txBody>
-          <a:bodyPr lIns="0" tIns="0" rIns="0" bIns="0" rtlCol="0" anchor="ctr"/>
-          <a:lstStyle/>
-          <a:p>
-            <a:pPr algn="ctr"/>
-            <a:r>
-              <a:rPr lang="de-DE" sz="1200" b="1" dirty="0" err="1">
-                <a:latin typeface="Roboto Condensed" panose="02000000000000000000" pitchFamily="2" charset="0"/>
-                <a:ea typeface="Roboto Condensed" panose="02000000000000000000" pitchFamily="2" charset="0"/>
-              </a:rPr>
-              <a:t>Misanchuk</a:t>
-            </a:r>
-            <a:endParaRPr lang="de-DE" sz="1200" b="1" dirty="0">
-              <a:latin typeface="Roboto Condensed" panose="02000000000000000000" pitchFamily="2" charset="0"/>
-              <a:ea typeface="Roboto Condensed" panose="02000000000000000000" pitchFamily="2" charset="0"/>
-            </a:endParaRPr>
-          </a:p>
-        </p:txBody>
-      </p:sp>
-      <p:cxnSp>
-        <p:nvCxnSpPr>
           <p:cNvPr id="2" name="Gerade Verbindung 1">
             <a:extLst>
               <a:ext uri="{FF2B5EF4-FFF2-40B4-BE49-F238E27FC236}">
@@ -21853,7 +23303,7 @@
     </p:spTree>
     <p:extLst>
       <p:ext uri="{BB962C8B-B14F-4D97-AF65-F5344CB8AC3E}">
-        <p14:creationId xmlns:p14="http://schemas.microsoft.com/office/powerpoint/2010/main" val="1862117629"/>
+        <p14:creationId xmlns:p14="http://schemas.microsoft.com/office/powerpoint/2010/main" val="393869029"/>
       </p:ext>
     </p:extLst>
   </p:cSld>

--- a/img/timeline.pptx
+++ b/img/timeline.pptx
@@ -266,7 +266,7 @@
       <p15:sldGuideLst xmlns:p15="http://schemas.microsoft.com/office/powerpoint/2012/main"/>
     </p:ext>
     <p:ext uri="http://customooxmlschemas.google.com/">
-      <go:slidesCustomData xmlns:go="http://customooxmlschemas.google.com/" xmlns:ahyp="http://schemas.microsoft.com/office/drawing/2018/hyperlinkcolor" xmlns:p15="http://schemas.microsoft.com/office/powerpoint/2012/main" xmlns:p14="http://schemas.microsoft.com/office/powerpoint/2010/main" xmlns:com="http://schemas.openxmlformats.org/drawingml/2006/compatibility" xmlns:pvml="urn:schemas-microsoft-com:office:powerpoint" xmlns:v="urn:schemas-microsoft-com:vml" xmlns:o="urn:schemas-microsoft-com:office:office" xmlns:dgm="http://schemas.openxmlformats.org/drawingml/2006/diagram" xmlns:c="http://schemas.openxmlformats.org/drawingml/2006/chart" xmlns:mv="urn:schemas-microsoft-com:mac:vml" xmlns:mc="http://schemas.openxmlformats.org/markup-compatibility/2006" xmlns="" r:id="rId27" roundtripDataSignature="AMtx7mgXCS851pMlIGszE/Y1tIc7IY3bFA=="/>
+      <go:slidesCustomData xmlns="" xmlns:mc="http://schemas.openxmlformats.org/markup-compatibility/2006" xmlns:mv="urn:schemas-microsoft-com:mac:vml" xmlns:c="http://schemas.openxmlformats.org/drawingml/2006/chart" xmlns:dgm="http://schemas.openxmlformats.org/drawingml/2006/diagram" xmlns:o="urn:schemas-microsoft-com:office:office" xmlns:v="urn:schemas-microsoft-com:vml" xmlns:pvml="urn:schemas-microsoft-com:office:powerpoint" xmlns:com="http://schemas.openxmlformats.org/drawingml/2006/compatibility" xmlns:p14="http://schemas.microsoft.com/office/powerpoint/2010/main" xmlns:p15="http://schemas.microsoft.com/office/powerpoint/2012/main" xmlns:ahyp="http://schemas.microsoft.com/office/drawing/2018/hyperlinkcolor" xmlns:go="http://customooxmlschemas.google.com/" r:id="rId27" roundtripDataSignature="AMtx7mgXCS851pMlIGszE/Y1tIc7IY3bFA=="/>
     </p:ext>
   </p:extLst>
 </p:presentation>
@@ -17169,7 +17169,7 @@
           </a:prstGeom>
           <a:ln w="31750">
             <a:solidFill>
-              <a:srgbClr val="A1A1A1"/>
+              <a:srgbClr val="267326"/>
             </a:solidFill>
           </a:ln>
         </p:spPr>
@@ -17211,7 +17211,7 @@
           <a:noFill/>
           <a:ln>
             <a:solidFill>
-              <a:srgbClr val="A1A1A1"/>
+              <a:srgbClr val="267326"/>
             </a:solidFill>
           </a:ln>
         </p:spPr>
@@ -17239,7 +17239,7 @@
             <a:r>
               <a:rPr lang="de-DE" sz="1200" b="1" dirty="0" err="1">
                 <a:solidFill>
-                  <a:srgbClr val="A1A1A1"/>
+                  <a:srgbClr val="267326"/>
                 </a:solidFill>
                 <a:latin typeface="Roboto Condensed" panose="02000000000000000000" pitchFamily="2" charset="0"/>
                 <a:ea typeface="Roboto Condensed" panose="02000000000000000000" pitchFamily="2" charset="0"/>
@@ -17248,7 +17248,7 @@
             </a:r>
             <a:endParaRPr lang="de-DE" sz="1200" b="1" dirty="0">
               <a:solidFill>
-                <a:srgbClr val="A1A1A1"/>
+                <a:srgbClr val="267326"/>
               </a:solidFill>
               <a:latin typeface="Roboto Condensed" panose="02000000000000000000" pitchFamily="2" charset="0"/>
               <a:ea typeface="Roboto Condensed" panose="02000000000000000000" pitchFamily="2" charset="0"/>
@@ -17280,7 +17280,7 @@
           </a:prstGeom>
           <a:ln w="31750">
             <a:solidFill>
-              <a:srgbClr val="A1A1A1"/>
+              <a:srgbClr val="267326"/>
             </a:solidFill>
           </a:ln>
         </p:spPr>
@@ -17322,7 +17322,7 @@
           <a:noFill/>
           <a:ln>
             <a:solidFill>
-              <a:srgbClr val="A1A1A1"/>
+              <a:srgbClr val="267326"/>
             </a:solidFill>
           </a:ln>
         </p:spPr>
@@ -17350,7 +17350,7 @@
             <a:r>
               <a:rPr lang="de-DE" sz="1200" b="1" dirty="0" err="1">
                 <a:solidFill>
-                  <a:srgbClr val="A1A1A1"/>
+                  <a:srgbClr val="267326"/>
                 </a:solidFill>
                 <a:latin typeface="Roboto Condensed" panose="02000000000000000000" pitchFamily="2" charset="0"/>
                 <a:ea typeface="Roboto Condensed" panose="02000000000000000000" pitchFamily="2" charset="0"/>
@@ -17359,7 +17359,7 @@
             </a:r>
             <a:endParaRPr lang="de-DE" sz="1200" b="1" dirty="0">
               <a:solidFill>
-                <a:srgbClr val="A1A1A1"/>
+                <a:srgbClr val="267326"/>
               </a:solidFill>
               <a:latin typeface="Roboto Condensed" panose="02000000000000000000" pitchFamily="2" charset="0"/>
               <a:ea typeface="Roboto Condensed" panose="02000000000000000000" pitchFamily="2" charset="0"/>
@@ -17392,7 +17392,7 @@
           </a:prstGeom>
           <a:ln w="31750">
             <a:solidFill>
-              <a:srgbClr val="A1A1A1"/>
+              <a:srgbClr val="267326"/>
             </a:solidFill>
           </a:ln>
         </p:spPr>
@@ -17446,7 +17446,7 @@
             <a:r>
               <a:rPr lang="de-DE" sz="1050" b="1" dirty="0">
                 <a:solidFill>
-                  <a:srgbClr val="A1A1A1"/>
+                  <a:srgbClr val="267326"/>
                 </a:solidFill>
                 <a:latin typeface="Roboto Condensed" panose="02000000000000000000" pitchFamily="2" charset="0"/>
                 <a:ea typeface="Roboto Condensed" panose="02000000000000000000" pitchFamily="2" charset="0"/>
@@ -17479,7 +17479,7 @@
           <a:noFill/>
           <a:ln>
             <a:solidFill>
-              <a:srgbClr val="A1A1A1"/>
+              <a:srgbClr val="267326"/>
             </a:solidFill>
           </a:ln>
         </p:spPr>
@@ -17507,7 +17507,7 @@
             <a:r>
               <a:rPr lang="de-DE" sz="1200" b="1" dirty="0">
                 <a:solidFill>
-                  <a:srgbClr val="A1A1A1"/>
+                  <a:srgbClr val="267326"/>
                 </a:solidFill>
                 <a:latin typeface="Roboto Condensed" panose="02000000000000000000" pitchFamily="2" charset="0"/>
                 <a:ea typeface="Roboto Condensed" panose="02000000000000000000" pitchFamily="2" charset="0"/>
@@ -17517,7 +17517,7 @@
             <a:r>
               <a:rPr lang="de-DE" sz="1200" b="1" dirty="0" err="1">
                 <a:solidFill>
-                  <a:srgbClr val="A1A1A1"/>
+                  <a:srgbClr val="267326"/>
                 </a:solidFill>
                 <a:latin typeface="Roboto Condensed" panose="02000000000000000000" pitchFamily="2" charset="0"/>
                 <a:ea typeface="Roboto Condensed" panose="02000000000000000000" pitchFamily="2" charset="0"/>
@@ -17526,7 +17526,7 @@
             </a:r>
             <a:endParaRPr lang="de-DE" sz="1200" b="1" dirty="0">
               <a:solidFill>
-                <a:srgbClr val="A1A1A1"/>
+                <a:srgbClr val="267326"/>
               </a:solidFill>
               <a:latin typeface="Roboto Condensed" panose="02000000000000000000" pitchFamily="2" charset="0"/>
               <a:ea typeface="Roboto Condensed" panose="02000000000000000000" pitchFamily="2" charset="0"/>
@@ -17559,7 +17559,7 @@
           </a:prstGeom>
           <a:ln w="31750">
             <a:solidFill>
-              <a:srgbClr val="A1A1A1"/>
+              <a:srgbClr val="267326"/>
             </a:solidFill>
           </a:ln>
         </p:spPr>
@@ -17613,7 +17613,7 @@
             <a:r>
               <a:rPr lang="de-DE" sz="1050" b="1" dirty="0">
                 <a:solidFill>
-                  <a:srgbClr val="A1A1A1"/>
+                  <a:srgbClr val="267326"/>
                 </a:solidFill>
                 <a:latin typeface="Roboto Condensed" panose="02000000000000000000" pitchFamily="2" charset="0"/>
                 <a:ea typeface="Roboto Condensed" panose="02000000000000000000" pitchFamily="2" charset="0"/>
@@ -17646,7 +17646,7 @@
           <a:noFill/>
           <a:ln>
             <a:solidFill>
-              <a:srgbClr val="A1A1A1"/>
+              <a:srgbClr val="267326"/>
             </a:solidFill>
           </a:ln>
         </p:spPr>
@@ -17674,7 +17674,7 @@
             <a:r>
               <a:rPr lang="de-DE" sz="1200" b="1" dirty="0">
                 <a:solidFill>
-                  <a:srgbClr val="A1A1A1"/>
+                  <a:srgbClr val="267326"/>
                 </a:solidFill>
                 <a:latin typeface="Roboto Condensed" panose="02000000000000000000" pitchFamily="2" charset="0"/>
                 <a:ea typeface="Roboto Condensed" panose="02000000000000000000" pitchFamily="2" charset="0"/>
@@ -17708,7 +17708,7 @@
           </a:prstGeom>
           <a:ln w="31750">
             <a:solidFill>
-              <a:srgbClr val="A1A1A1"/>
+              <a:srgbClr val="267326"/>
             </a:solidFill>
           </a:ln>
         </p:spPr>
@@ -17762,7 +17762,7 @@
             <a:r>
               <a:rPr lang="de-DE" sz="1050" b="1" dirty="0">
                 <a:solidFill>
-                  <a:srgbClr val="A1A1A1"/>
+                  <a:srgbClr val="267326"/>
                 </a:solidFill>
                 <a:latin typeface="Roboto Condensed" panose="02000000000000000000" pitchFamily="2" charset="0"/>
                 <a:ea typeface="Roboto Condensed" panose="02000000000000000000" pitchFamily="2" charset="0"/>
@@ -17797,7 +17797,7 @@
           </a:prstGeom>
           <a:ln w="31750">
             <a:solidFill>
-              <a:srgbClr val="A1A1A1"/>
+              <a:srgbClr val="267326"/>
             </a:solidFill>
           </a:ln>
         </p:spPr>
@@ -17851,7 +17851,7 @@
             <a:r>
               <a:rPr lang="de-DE" sz="1050" b="1" dirty="0">
                 <a:solidFill>
-                  <a:srgbClr val="A1A1A1"/>
+                  <a:srgbClr val="267326"/>
                 </a:solidFill>
                 <a:latin typeface="Roboto Condensed" panose="02000000000000000000" pitchFamily="2" charset="0"/>
                 <a:ea typeface="Roboto Condensed" panose="02000000000000000000" pitchFamily="2" charset="0"/>
@@ -17884,7 +17884,7 @@
           <a:noFill/>
           <a:ln>
             <a:solidFill>
-              <a:srgbClr val="A1A1A1"/>
+              <a:srgbClr val="267326"/>
             </a:solidFill>
           </a:ln>
         </p:spPr>
@@ -17912,7 +17912,7 @@
             <a:r>
               <a:rPr lang="de-DE" sz="1200" b="1" dirty="0">
                 <a:solidFill>
-                  <a:srgbClr val="A1A1A1"/>
+                  <a:srgbClr val="267326"/>
                 </a:solidFill>
                 <a:latin typeface="Roboto Condensed" panose="02000000000000000000" pitchFamily="2" charset="0"/>
                 <a:ea typeface="Roboto Condensed" panose="02000000000000000000" pitchFamily="2" charset="0"/>
@@ -17945,7 +17945,7 @@
           <a:noFill/>
           <a:ln>
             <a:solidFill>
-              <a:srgbClr val="A1A1A1"/>
+              <a:srgbClr val="267326"/>
             </a:solidFill>
           </a:ln>
         </p:spPr>
@@ -17973,7 +17973,7 @@
             <a:r>
               <a:rPr lang="de-DE" sz="1200" b="1" dirty="0" err="1">
                 <a:solidFill>
-                  <a:srgbClr val="A1A1A1"/>
+                  <a:srgbClr val="267326"/>
                 </a:solidFill>
                 <a:latin typeface="Roboto Condensed" panose="02000000000000000000" pitchFamily="2" charset="0"/>
                 <a:ea typeface="Roboto Condensed" panose="02000000000000000000" pitchFamily="2" charset="0"/>
@@ -17982,7 +17982,7 @@
             </a:r>
             <a:endParaRPr lang="de-DE" sz="1200" b="1" dirty="0">
               <a:solidFill>
-                <a:srgbClr val="A1A1A1"/>
+                <a:srgbClr val="267326"/>
               </a:solidFill>
               <a:latin typeface="Roboto Condensed" panose="02000000000000000000" pitchFamily="2" charset="0"/>
               <a:ea typeface="Roboto Condensed" panose="02000000000000000000" pitchFamily="2" charset="0"/>
@@ -18015,7 +18015,7 @@
           </a:prstGeom>
           <a:ln w="31750">
             <a:solidFill>
-              <a:srgbClr val="A1A1A1"/>
+              <a:srgbClr val="267326"/>
             </a:solidFill>
           </a:ln>
         </p:spPr>
@@ -18069,7 +18069,7 @@
             <a:r>
               <a:rPr lang="de-DE" sz="1050" b="1" dirty="0">
                 <a:solidFill>
-                  <a:srgbClr val="A1A1A1"/>
+                  <a:srgbClr val="267326"/>
                 </a:solidFill>
                 <a:latin typeface="Roboto Condensed" panose="02000000000000000000" pitchFamily="2" charset="0"/>
                 <a:ea typeface="Roboto Condensed" panose="02000000000000000000" pitchFamily="2" charset="0"/>
@@ -18102,7 +18102,7 @@
           <a:noFill/>
           <a:ln>
             <a:solidFill>
-              <a:srgbClr val="A1A1A1"/>
+              <a:srgbClr val="267326"/>
             </a:solidFill>
           </a:ln>
         </p:spPr>
@@ -18130,7 +18130,7 @@
             <a:r>
               <a:rPr lang="de-DE" sz="1200" b="1" dirty="0">
                 <a:solidFill>
-                  <a:srgbClr val="A1A1A1"/>
+                  <a:srgbClr val="267326"/>
                 </a:solidFill>
                 <a:latin typeface="Roboto Condensed" panose="02000000000000000000" pitchFamily="2" charset="0"/>
                 <a:ea typeface="Roboto Condensed" panose="02000000000000000000" pitchFamily="2" charset="0"/>
@@ -18367,7 +18367,7 @@
             <a:r>
               <a:rPr lang="de-DE" sz="1050" b="1" dirty="0">
                 <a:solidFill>
-                  <a:srgbClr val="A1A1A1"/>
+                  <a:srgbClr val="267326"/>
                 </a:solidFill>
                 <a:latin typeface="Roboto Condensed" panose="02000000000000000000" pitchFamily="2" charset="0"/>
                 <a:ea typeface="Roboto Condensed" panose="02000000000000000000" pitchFamily="2" charset="0"/>
@@ -18412,7 +18412,7 @@
             <a:r>
               <a:rPr lang="de-DE" sz="1050" b="1" dirty="0">
                 <a:solidFill>
-                  <a:srgbClr val="A1A1A1"/>
+                  <a:srgbClr val="267326"/>
                 </a:solidFill>
                 <a:latin typeface="Roboto Condensed" panose="02000000000000000000" pitchFamily="2" charset="0"/>
                 <a:ea typeface="Roboto Condensed" panose="02000000000000000000" pitchFamily="2" charset="0"/>
